--- a/dokumente/Abschlusspräsentation.pptx
+++ b/dokumente/Abschlusspräsentation.pptx
@@ -13,6 +13,8 @@
     <p:sldId id="261" r:id="rId7"/>
     <p:sldId id="262" r:id="rId8"/>
     <p:sldId id="263" r:id="rId9"/>
+    <p:sldId id="265" r:id="rId10"/>
+    <p:sldId id="266" r:id="rId11"/>
   </p:sldIdLst>
   <p:sldSz cx="9144000" cy="6858000" type="screen4x3"/>
   <p:notesSz cx="6858000" cy="9144000"/>
@@ -111,6 +113,11 @@
       </a:defRPr>
     </a:lvl9pPr>
   </p:defaultTextStyle>
+  <p:extLst>
+    <p:ext uri="{EFAFB233-063F-42B5-8137-9DF3F51BA10A}">
+      <p15:sldGuideLst xmlns:p15="http://schemas.microsoft.com/office/powerpoint/2012/main"/>
+    </p:ext>
+  </p:extLst>
 </p:presentation>
 </file>
 
@@ -245,7 +252,7 @@
           <a:p>
             <a:fld id="{5197CC10-F8E2-46C0-927B-C653CE086A3B}" type="datetimeFigureOut">
               <a:rPr lang="de-DE" smtClean="0"/>
-              <a:t>26.06.2018</a:t>
+              <a:t>03.07.2018</a:t>
             </a:fld>
             <a:endParaRPr lang="de-DE"/>
           </a:p>
@@ -415,7 +422,7 @@
           <a:p>
             <a:fld id="{5197CC10-F8E2-46C0-927B-C653CE086A3B}" type="datetimeFigureOut">
               <a:rPr lang="de-DE" smtClean="0"/>
-              <a:t>26.06.2018</a:t>
+              <a:t>03.07.2018</a:t>
             </a:fld>
             <a:endParaRPr lang="de-DE"/>
           </a:p>
@@ -595,7 +602,7 @@
           <a:p>
             <a:fld id="{5197CC10-F8E2-46C0-927B-C653CE086A3B}" type="datetimeFigureOut">
               <a:rPr lang="de-DE" smtClean="0"/>
-              <a:t>26.06.2018</a:t>
+              <a:t>03.07.2018</a:t>
             </a:fld>
             <a:endParaRPr lang="de-DE"/>
           </a:p>
@@ -765,7 +772,7 @@
           <a:p>
             <a:fld id="{5197CC10-F8E2-46C0-927B-C653CE086A3B}" type="datetimeFigureOut">
               <a:rPr lang="de-DE" smtClean="0"/>
-              <a:t>26.06.2018</a:t>
+              <a:t>03.07.2018</a:t>
             </a:fld>
             <a:endParaRPr lang="de-DE"/>
           </a:p>
@@ -1009,7 +1016,7 @@
           <a:p>
             <a:fld id="{5197CC10-F8E2-46C0-927B-C653CE086A3B}" type="datetimeFigureOut">
               <a:rPr lang="de-DE" smtClean="0"/>
-              <a:t>26.06.2018</a:t>
+              <a:t>03.07.2018</a:t>
             </a:fld>
             <a:endParaRPr lang="de-DE"/>
           </a:p>
@@ -1241,7 +1248,7 @@
           <a:p>
             <a:fld id="{5197CC10-F8E2-46C0-927B-C653CE086A3B}" type="datetimeFigureOut">
               <a:rPr lang="de-DE" smtClean="0"/>
-              <a:t>26.06.2018</a:t>
+              <a:t>03.07.2018</a:t>
             </a:fld>
             <a:endParaRPr lang="de-DE"/>
           </a:p>
@@ -1608,7 +1615,7 @@
           <a:p>
             <a:fld id="{5197CC10-F8E2-46C0-927B-C653CE086A3B}" type="datetimeFigureOut">
               <a:rPr lang="de-DE" smtClean="0"/>
-              <a:t>26.06.2018</a:t>
+              <a:t>03.07.2018</a:t>
             </a:fld>
             <a:endParaRPr lang="de-DE"/>
           </a:p>
@@ -1726,7 +1733,7 @@
           <a:p>
             <a:fld id="{5197CC10-F8E2-46C0-927B-C653CE086A3B}" type="datetimeFigureOut">
               <a:rPr lang="de-DE" smtClean="0"/>
-              <a:t>26.06.2018</a:t>
+              <a:t>03.07.2018</a:t>
             </a:fld>
             <a:endParaRPr lang="de-DE"/>
           </a:p>
@@ -1821,7 +1828,7 @@
           <a:p>
             <a:fld id="{5197CC10-F8E2-46C0-927B-C653CE086A3B}" type="datetimeFigureOut">
               <a:rPr lang="de-DE" smtClean="0"/>
-              <a:t>26.06.2018</a:t>
+              <a:t>03.07.2018</a:t>
             </a:fld>
             <a:endParaRPr lang="de-DE"/>
           </a:p>
@@ -2098,7 +2105,7 @@
           <a:p>
             <a:fld id="{5197CC10-F8E2-46C0-927B-C653CE086A3B}" type="datetimeFigureOut">
               <a:rPr lang="de-DE" smtClean="0"/>
-              <a:t>26.06.2018</a:t>
+              <a:t>03.07.2018</a:t>
             </a:fld>
             <a:endParaRPr lang="de-DE"/>
           </a:p>
@@ -2355,7 +2362,7 @@
           <a:p>
             <a:fld id="{5197CC10-F8E2-46C0-927B-C653CE086A3B}" type="datetimeFigureOut">
               <a:rPr lang="de-DE" smtClean="0"/>
-              <a:t>26.06.2018</a:t>
+              <a:t>03.07.2018</a:t>
             </a:fld>
             <a:endParaRPr lang="de-DE"/>
           </a:p>
@@ -2568,7 +2575,7 @@
           <a:p>
             <a:fld id="{5197CC10-F8E2-46C0-927B-C653CE086A3B}" type="datetimeFigureOut">
               <a:rPr lang="de-DE" smtClean="0"/>
-              <a:t>26.06.2018</a:t>
+              <a:t>03.07.2018</a:t>
             </a:fld>
             <a:endParaRPr lang="de-DE"/>
           </a:p>
@@ -3021,11 +3028,7 @@
             </a:r>
             <a:r>
               <a:rPr lang="de-DE" dirty="0" smtClean="0"/>
-              <a:t>, Christian Kok, Tobias Reinke</a:t>
-            </a:r>
-            <a:r>
-              <a:rPr lang="de-DE" dirty="0" smtClean="0"/>
-              <a:t>, Karl </a:t>
+              <a:t>, Christian Kok, Tobias Reinke, Karl </a:t>
             </a:r>
             <a:r>
               <a:rPr lang="de-DE" dirty="0" err="1" smtClean="0"/>
@@ -3063,6 +3066,127 @@
       </p:par>
     </p:tnLst>
   </p:timing>
+</p:sld>
+</file>
+
+<file path=ppt/slides/slide10.xml><?xml version="1.0" encoding="utf-8"?>
+<p:sld xmlns:a="http://schemas.openxmlformats.org/drawingml/2006/main" xmlns:r="http://schemas.openxmlformats.org/officeDocument/2006/relationships" xmlns:p="http://schemas.openxmlformats.org/presentationml/2006/main">
+  <p:cSld>
+    <p:spTree>
+      <p:nvGrpSpPr>
+        <p:cNvPr id="1" name=""/>
+        <p:cNvGrpSpPr/>
+        <p:nvPr/>
+      </p:nvGrpSpPr>
+      <p:grpSpPr>
+        <a:xfrm>
+          <a:off x="0" y="0"/>
+          <a:ext cx="0" cy="0"/>
+          <a:chOff x="0" y="0"/>
+          <a:chExt cx="0" cy="0"/>
+        </a:xfrm>
+      </p:grpSpPr>
+      <p:sp>
+        <p:nvSpPr>
+          <p:cNvPr id="2" name="Titel 1"/>
+          <p:cNvSpPr>
+            <a:spLocks noGrp="1"/>
+          </p:cNvSpPr>
+          <p:nvPr>
+            <p:ph type="title"/>
+          </p:nvPr>
+        </p:nvSpPr>
+        <p:spPr/>
+        <p:txBody>
+          <a:bodyPr/>
+          <a:lstStyle/>
+          <a:p>
+            <a:r>
+              <a:rPr lang="de-DE" dirty="0" smtClean="0"/>
+              <a:t>Probleme</a:t>
+            </a:r>
+            <a:endParaRPr lang="de-DE" dirty="0"/>
+          </a:p>
+        </p:txBody>
+      </p:sp>
+      <p:sp>
+        <p:nvSpPr>
+          <p:cNvPr id="3" name="Inhaltsplatzhalter 2"/>
+          <p:cNvSpPr>
+            <a:spLocks noGrp="1"/>
+          </p:cNvSpPr>
+          <p:nvPr>
+            <p:ph idx="1"/>
+          </p:nvPr>
+        </p:nvSpPr>
+        <p:spPr/>
+        <p:txBody>
+          <a:bodyPr/>
+          <a:lstStyle/>
+          <a:p>
+            <a:r>
+              <a:rPr lang="de-DE" dirty="0" smtClean="0"/>
+              <a:t>Selbstorganisation hat nicht funktioniert</a:t>
+            </a:r>
+          </a:p>
+          <a:p>
+            <a:pPr lvl="1"/>
+            <a:r>
+              <a:rPr lang="de-DE" dirty="0" smtClean="0"/>
+              <a:t>Absprachen wurden nicht eingehalten</a:t>
+            </a:r>
+          </a:p>
+          <a:p>
+            <a:pPr lvl="1"/>
+            <a:r>
+              <a:rPr lang="de-DE" dirty="0" smtClean="0"/>
+              <a:t>Keine klaren Arbeitszeiten</a:t>
+            </a:r>
+          </a:p>
+          <a:p>
+            <a:pPr lvl="2"/>
+            <a:r>
+              <a:rPr lang="de-DE" dirty="0" smtClean="0"/>
+              <a:t>Häufig war immer irgendwer nicht da</a:t>
+            </a:r>
+          </a:p>
+          <a:p>
+            <a:pPr lvl="2"/>
+            <a:endParaRPr lang="de-DE" dirty="0"/>
+          </a:p>
+          <a:p>
+            <a:r>
+              <a:rPr lang="de-DE" dirty="0" smtClean="0"/>
+              <a:t>Technologien waren nicht allen Personen bekannt</a:t>
+            </a:r>
+          </a:p>
+          <a:p>
+            <a:pPr lvl="1"/>
+            <a:r>
+              <a:rPr lang="de-DE" dirty="0" smtClean="0"/>
+              <a:t>„Experten“ fühlten sich nicht verantwortlich die anderen Personen einzuarbeiten</a:t>
+            </a:r>
+          </a:p>
+          <a:p>
+            <a:pPr lvl="1"/>
+            <a:endParaRPr lang="de-DE" dirty="0" smtClean="0"/>
+          </a:p>
+          <a:p>
+            <a:pPr lvl="1"/>
+            <a:endParaRPr lang="de-DE" dirty="0" smtClean="0"/>
+          </a:p>
+        </p:txBody>
+      </p:sp>
+    </p:spTree>
+    <p:extLst>
+      <p:ext uri="{BB962C8B-B14F-4D97-AF65-F5344CB8AC3E}">
+        <p14:creationId xmlns:p14="http://schemas.microsoft.com/office/powerpoint/2010/main" val="3376441152"/>
+      </p:ext>
+    </p:extLst>
+  </p:cSld>
+  <p:clrMapOvr>
+    <a:masterClrMapping/>
+  </p:clrMapOvr>
 </p:sld>
 </file>
 
@@ -3282,6 +3406,13 @@
   <p:clrMapOvr>
     <a:masterClrMapping/>
   </p:clrMapOvr>
+  <p:timing>
+    <p:tnLst>
+      <p:par>
+        <p:cTn id="1" dur="indefinite" restart="never" nodeType="tmRoot"/>
+      </p:par>
+    </p:tnLst>
+  </p:timing>
 </p:sld>
 </file>
 
@@ -3470,7 +3601,6 @@
               <a:rPr lang="de-DE" dirty="0" smtClean="0"/>
               <a:t>Projektplanung</a:t>
             </a:r>
-            <a:endParaRPr lang="de-DE" dirty="0" smtClean="0"/>
           </a:p>
           <a:p>
             <a:pPr lvl="1"/>
@@ -3643,7 +3773,7 @@
         </p:nvGrpSpPr>
         <p:grpSpPr>
           <a:xfrm>
-            <a:off x="1359147" y="1509926"/>
+            <a:off x="1359147" y="4739338"/>
             <a:ext cx="6779356" cy="1642837"/>
             <a:chOff x="784407" y="1754996"/>
             <a:chExt cx="7532650" cy="1825383"/>
@@ -3878,7 +4008,7 @@
         </p:nvGrpSpPr>
         <p:grpSpPr>
           <a:xfrm>
-            <a:off x="509813" y="4963967"/>
+            <a:off x="509813" y="1632952"/>
             <a:ext cx="8278996" cy="1535106"/>
             <a:chOff x="509813" y="4963967"/>
             <a:chExt cx="8278996" cy="1535106"/>
@@ -4244,6 +4374,144 @@
       </p:par>
     </p:tnLst>
   </p:timing>
+</p:sld>
+</file>
+
+<file path=ppt/slides/slide9.xml><?xml version="1.0" encoding="utf-8"?>
+<p:sld xmlns:a="http://schemas.openxmlformats.org/drawingml/2006/main" xmlns:r="http://schemas.openxmlformats.org/officeDocument/2006/relationships" xmlns:p="http://schemas.openxmlformats.org/presentationml/2006/main">
+  <p:cSld>
+    <p:spTree>
+      <p:nvGrpSpPr>
+        <p:cNvPr id="1" name=""/>
+        <p:cNvGrpSpPr/>
+        <p:nvPr/>
+      </p:nvGrpSpPr>
+      <p:grpSpPr>
+        <a:xfrm>
+          <a:off x="0" y="0"/>
+          <a:ext cx="0" cy="0"/>
+          <a:chOff x="0" y="0"/>
+          <a:chExt cx="0" cy="0"/>
+        </a:xfrm>
+      </p:grpSpPr>
+      <p:sp>
+        <p:nvSpPr>
+          <p:cNvPr id="2" name="Titel 1"/>
+          <p:cNvSpPr>
+            <a:spLocks noGrp="1"/>
+          </p:cNvSpPr>
+          <p:nvPr>
+            <p:ph type="title"/>
+          </p:nvPr>
+        </p:nvSpPr>
+        <p:spPr/>
+        <p:txBody>
+          <a:bodyPr/>
+          <a:lstStyle/>
+          <a:p>
+            <a:r>
+              <a:rPr lang="de-DE" dirty="0" smtClean="0"/>
+              <a:t>Probleme</a:t>
+            </a:r>
+            <a:endParaRPr lang="de-DE" dirty="0"/>
+          </a:p>
+        </p:txBody>
+      </p:sp>
+      <p:sp>
+        <p:nvSpPr>
+          <p:cNvPr id="3" name="Inhaltsplatzhalter 2"/>
+          <p:cNvSpPr>
+            <a:spLocks noGrp="1"/>
+          </p:cNvSpPr>
+          <p:nvPr>
+            <p:ph idx="1"/>
+          </p:nvPr>
+        </p:nvSpPr>
+        <p:spPr/>
+        <p:txBody>
+          <a:bodyPr/>
+          <a:lstStyle/>
+          <a:p>
+            <a:r>
+              <a:rPr lang="de-DE" dirty="0" smtClean="0"/>
+              <a:t>Zu viele Personen</a:t>
+            </a:r>
+          </a:p>
+          <a:p>
+            <a:pPr lvl="1"/>
+            <a:r>
+              <a:rPr lang="de-DE" dirty="0" smtClean="0"/>
+              <a:t>Keine einfachen Absprachen möglich</a:t>
+            </a:r>
+          </a:p>
+          <a:p>
+            <a:pPr lvl="1"/>
+            <a:r>
+              <a:rPr lang="de-DE" dirty="0" smtClean="0"/>
+              <a:t>Managementaufwand zu hoch</a:t>
+            </a:r>
+          </a:p>
+          <a:p>
+            <a:pPr lvl="1"/>
+            <a:endParaRPr lang="de-DE" dirty="0" smtClean="0"/>
+          </a:p>
+          <a:p>
+            <a:r>
+              <a:rPr lang="de-DE" dirty="0" smtClean="0"/>
+              <a:t>Kein klarer Projektleiter</a:t>
+            </a:r>
+          </a:p>
+          <a:p>
+            <a:pPr lvl="1"/>
+            <a:r>
+              <a:rPr lang="de-DE" dirty="0" smtClean="0"/>
+              <a:t>Niemand fühlte sich verantwortlich</a:t>
+            </a:r>
+          </a:p>
+          <a:p>
+            <a:pPr lvl="1"/>
+            <a:r>
+              <a:rPr lang="de-DE" dirty="0" smtClean="0"/>
+              <a:t>Kritik wurde nicht ernst genommen</a:t>
+            </a:r>
+          </a:p>
+          <a:p>
+            <a:pPr lvl="1"/>
+            <a:r>
+              <a:rPr lang="de-DE" dirty="0" smtClean="0"/>
+              <a:t>Keine Hierarchien</a:t>
+            </a:r>
+          </a:p>
+          <a:p>
+            <a:pPr lvl="2"/>
+            <a:r>
+              <a:rPr lang="de-DE" dirty="0" smtClean="0"/>
+              <a:t>Zu lockeres Umfeld</a:t>
+            </a:r>
+          </a:p>
+          <a:p>
+            <a:pPr lvl="2"/>
+            <a:r>
+              <a:rPr lang="de-DE" dirty="0" smtClean="0"/>
+              <a:t>Jeder macht, was er will</a:t>
+            </a:r>
+          </a:p>
+          <a:p>
+            <a:pPr lvl="1"/>
+            <a:endParaRPr lang="de-DE" dirty="0" smtClean="0"/>
+          </a:p>
+        </p:txBody>
+      </p:sp>
+    </p:spTree>
+    <p:extLst>
+      <p:ext uri="{BB962C8B-B14F-4D97-AF65-F5344CB8AC3E}">
+        <p14:creationId xmlns:p14="http://schemas.microsoft.com/office/powerpoint/2010/main" val="1751503681"/>
+      </p:ext>
+    </p:extLst>
+  </p:cSld>
+  <p:clrMapOvr>
+    <a:masterClrMapping/>
+  </p:clrMapOvr>
 </p:sld>
 </file>
 

--- a/dokumente/Abschlusspräsentation.pptx
+++ b/dokumente/Abschlusspräsentation.pptx
@@ -12,9 +12,13 @@
     <p:sldId id="260" r:id="rId6"/>
     <p:sldId id="261" r:id="rId7"/>
     <p:sldId id="262" r:id="rId8"/>
-    <p:sldId id="263" r:id="rId9"/>
-    <p:sldId id="265" r:id="rId10"/>
-    <p:sldId id="266" r:id="rId11"/>
+    <p:sldId id="268" r:id="rId9"/>
+    <p:sldId id="267" r:id="rId10"/>
+    <p:sldId id="270" r:id="rId11"/>
+    <p:sldId id="269" r:id="rId12"/>
+    <p:sldId id="263" r:id="rId13"/>
+    <p:sldId id="265" r:id="rId14"/>
+    <p:sldId id="266" r:id="rId15"/>
   </p:sldIdLst>
   <p:sldSz cx="9144000" cy="6858000" type="screen4x3"/>
   <p:notesSz cx="6858000" cy="9144000"/>
@@ -3070,6 +3074,473 @@
 </file>
 
 <file path=ppt/slides/slide10.xml><?xml version="1.0" encoding="utf-8"?>
+<p:sld xmlns:a="http://schemas.openxmlformats.org/drawingml/2006/main" xmlns:r="http://schemas.openxmlformats.org/officeDocument/2006/relationships" xmlns:p="http://schemas.openxmlformats.org/presentationml/2006/main">
+  <p:cSld>
+    <p:spTree>
+      <p:nvGrpSpPr>
+        <p:cNvPr id="1" name=""/>
+        <p:cNvGrpSpPr/>
+        <p:nvPr/>
+      </p:nvGrpSpPr>
+      <p:grpSpPr>
+        <a:xfrm>
+          <a:off x="0" y="0"/>
+          <a:ext cx="0" cy="0"/>
+          <a:chOff x="0" y="0"/>
+          <a:chExt cx="0" cy="0"/>
+        </a:xfrm>
+      </p:grpSpPr>
+      <p:sp>
+        <p:nvSpPr>
+          <p:cNvPr id="2" name="Titel 1"/>
+          <p:cNvSpPr>
+            <a:spLocks noGrp="1"/>
+          </p:cNvSpPr>
+          <p:nvPr>
+            <p:ph type="title"/>
+          </p:nvPr>
+        </p:nvSpPr>
+        <p:spPr/>
+        <p:txBody>
+          <a:bodyPr/>
+          <a:lstStyle/>
+          <a:p>
+            <a:r>
+              <a:rPr lang="de-DE" dirty="0" smtClean="0"/>
+              <a:t>Projektdurchführung</a:t>
+            </a:r>
+            <a:br>
+              <a:rPr lang="de-DE" dirty="0" smtClean="0"/>
+            </a:br>
+            <a:r>
+              <a:rPr lang="de-DE" sz="2400" dirty="0" smtClean="0"/>
+              <a:t>Sprint 2</a:t>
+            </a:r>
+            <a:endParaRPr lang="de-DE" sz="2400" dirty="0"/>
+          </a:p>
+        </p:txBody>
+      </p:sp>
+      <p:sp>
+        <p:nvSpPr>
+          <p:cNvPr id="3" name="Inhaltsplatzhalter 2"/>
+          <p:cNvSpPr>
+            <a:spLocks noGrp="1"/>
+          </p:cNvSpPr>
+          <p:nvPr>
+            <p:ph idx="1"/>
+          </p:nvPr>
+        </p:nvSpPr>
+        <p:spPr/>
+        <p:txBody>
+          <a:bodyPr/>
+          <a:lstStyle/>
+          <a:p>
+            <a:r>
+              <a:rPr lang="de-DE" dirty="0" smtClean="0"/>
+              <a:t>Probleme:</a:t>
+            </a:r>
+          </a:p>
+          <a:p>
+            <a:pPr lvl="1"/>
+            <a:r>
+              <a:rPr lang="de-DE" dirty="0" smtClean="0"/>
+              <a:t>Fehler bei der </a:t>
+            </a:r>
+            <a:r>
+              <a:rPr lang="de-DE" dirty="0"/>
+              <a:t>Erstellung, Generierung und Verwaltung der </a:t>
+            </a:r>
+            <a:r>
+              <a:rPr lang="de-DE" dirty="0" smtClean="0"/>
+              <a:t>Datenbank</a:t>
+            </a:r>
+          </a:p>
+          <a:p>
+            <a:pPr lvl="2"/>
+            <a:r>
+              <a:rPr lang="de-DE" dirty="0" smtClean="0"/>
+              <a:t>Fehlerbehebung führte zu Verzögerungen von einem Tag</a:t>
+            </a:r>
+          </a:p>
+          <a:p>
+            <a:pPr lvl="1"/>
+            <a:r>
+              <a:rPr lang="de-DE" dirty="0" smtClean="0"/>
+              <a:t>Einrichtung des Servers dauerte länger als erwartet</a:t>
+            </a:r>
+          </a:p>
+          <a:p>
+            <a:pPr lvl="2"/>
+            <a:r>
+              <a:rPr lang="de-DE" dirty="0" smtClean="0"/>
+              <a:t>Bereits installierte Software musste </a:t>
+            </a:r>
+            <a:r>
+              <a:rPr lang="de-DE" dirty="0" err="1" smtClean="0"/>
+              <a:t>geupdated</a:t>
+            </a:r>
+            <a:r>
+              <a:rPr lang="de-DE" dirty="0" smtClean="0"/>
+              <a:t> oder entfernt werden</a:t>
+            </a:r>
+            <a:endParaRPr lang="de-DE" dirty="0"/>
+          </a:p>
+        </p:txBody>
+      </p:sp>
+    </p:spTree>
+    <p:extLst>
+      <p:ext uri="{BB962C8B-B14F-4D97-AF65-F5344CB8AC3E}">
+        <p14:creationId xmlns:p14="http://schemas.microsoft.com/office/powerpoint/2010/main" val="1800405295"/>
+      </p:ext>
+    </p:extLst>
+  </p:cSld>
+  <p:clrMapOvr>
+    <a:masterClrMapping/>
+  </p:clrMapOvr>
+  <p:timing>
+    <p:tnLst>
+      <p:par>
+        <p:cTn id="1" dur="indefinite" restart="never" nodeType="tmRoot"/>
+      </p:par>
+    </p:tnLst>
+  </p:timing>
+</p:sld>
+</file>
+
+<file path=ppt/slides/slide11.xml><?xml version="1.0" encoding="utf-8"?>
+<p:sld xmlns:a="http://schemas.openxmlformats.org/drawingml/2006/main" xmlns:r="http://schemas.openxmlformats.org/officeDocument/2006/relationships" xmlns:p="http://schemas.openxmlformats.org/presentationml/2006/main">
+  <p:cSld>
+    <p:spTree>
+      <p:nvGrpSpPr>
+        <p:cNvPr id="1" name=""/>
+        <p:cNvGrpSpPr/>
+        <p:nvPr/>
+      </p:nvGrpSpPr>
+      <p:grpSpPr>
+        <a:xfrm>
+          <a:off x="0" y="0"/>
+          <a:ext cx="0" cy="0"/>
+          <a:chOff x="0" y="0"/>
+          <a:chExt cx="0" cy="0"/>
+        </a:xfrm>
+      </p:grpSpPr>
+      <p:sp>
+        <p:nvSpPr>
+          <p:cNvPr id="2" name="Titel 1"/>
+          <p:cNvSpPr>
+            <a:spLocks noGrp="1"/>
+          </p:cNvSpPr>
+          <p:nvPr>
+            <p:ph type="title"/>
+          </p:nvPr>
+        </p:nvSpPr>
+        <p:spPr/>
+        <p:txBody>
+          <a:bodyPr/>
+          <a:lstStyle/>
+          <a:p>
+            <a:r>
+              <a:rPr lang="de-DE" dirty="0" smtClean="0"/>
+              <a:t>Projektdurchführung</a:t>
+            </a:r>
+            <a:br>
+              <a:rPr lang="de-DE" dirty="0" smtClean="0"/>
+            </a:br>
+            <a:r>
+              <a:rPr lang="de-DE" sz="2400" dirty="0" smtClean="0"/>
+              <a:t>Sprint 2</a:t>
+            </a:r>
+            <a:endParaRPr lang="de-DE" sz="2400" dirty="0"/>
+          </a:p>
+        </p:txBody>
+      </p:sp>
+      <p:pic>
+        <p:nvPicPr>
+          <p:cNvPr id="5" name="Inhaltsplatzhalter 4"/>
+          <p:cNvPicPr>
+            <a:picLocks noGrp="1"/>
+          </p:cNvPicPr>
+          <p:nvPr>
+            <p:ph idx="1"/>
+          </p:nvPr>
+        </p:nvPicPr>
+        <p:blipFill>
+          <a:blip r:embed="rId2">
+            <a:extLst>
+              <a:ext uri="{28A0092B-C50C-407E-A947-70E740481C1C}">
+                <a14:useLocalDpi xmlns:a14="http://schemas.microsoft.com/office/drawing/2010/main" val="0"/>
+              </a:ext>
+            </a:extLst>
+          </a:blip>
+          <a:stretch>
+            <a:fillRect/>
+          </a:stretch>
+        </p:blipFill>
+        <p:spPr>
+          <a:xfrm>
+            <a:off x="2033233" y="2477081"/>
+            <a:ext cx="5077534" cy="3048425"/>
+          </a:xfrm>
+          <a:prstGeom prst="rect">
+            <a:avLst/>
+          </a:prstGeom>
+        </p:spPr>
+      </p:pic>
+    </p:spTree>
+    <p:extLst>
+      <p:ext uri="{BB962C8B-B14F-4D97-AF65-F5344CB8AC3E}">
+        <p14:creationId xmlns:p14="http://schemas.microsoft.com/office/powerpoint/2010/main" val="673291684"/>
+      </p:ext>
+    </p:extLst>
+  </p:cSld>
+  <p:clrMapOvr>
+    <a:masterClrMapping/>
+  </p:clrMapOvr>
+  <p:timing>
+    <p:tnLst>
+      <p:par>
+        <p:cTn id="1" dur="indefinite" restart="never" nodeType="tmRoot"/>
+      </p:par>
+    </p:tnLst>
+  </p:timing>
+</p:sld>
+</file>
+
+<file path=ppt/slides/slide12.xml><?xml version="1.0" encoding="utf-8"?>
+<p:sld xmlns:a="http://schemas.openxmlformats.org/drawingml/2006/main" xmlns:r="http://schemas.openxmlformats.org/officeDocument/2006/relationships" xmlns:p="http://schemas.openxmlformats.org/presentationml/2006/main">
+  <p:cSld>
+    <p:spTree>
+      <p:nvGrpSpPr>
+        <p:cNvPr id="1" name=""/>
+        <p:cNvGrpSpPr/>
+        <p:nvPr/>
+      </p:nvGrpSpPr>
+      <p:grpSpPr>
+        <a:xfrm>
+          <a:off x="0" y="0"/>
+          <a:ext cx="0" cy="0"/>
+          <a:chOff x="0" y="0"/>
+          <a:chExt cx="0" cy="0"/>
+        </a:xfrm>
+      </p:grpSpPr>
+      <p:sp>
+        <p:nvSpPr>
+          <p:cNvPr id="2" name="Titel 1"/>
+          <p:cNvSpPr>
+            <a:spLocks noGrp="1"/>
+          </p:cNvSpPr>
+          <p:nvPr>
+            <p:ph type="title"/>
+          </p:nvPr>
+        </p:nvSpPr>
+        <p:spPr/>
+        <p:txBody>
+          <a:bodyPr/>
+          <a:lstStyle/>
+          <a:p>
+            <a:r>
+              <a:rPr lang="de-DE" dirty="0" smtClean="0"/>
+              <a:t>Projektdurchführung</a:t>
+            </a:r>
+            <a:br>
+              <a:rPr lang="de-DE" dirty="0" smtClean="0"/>
+            </a:br>
+            <a:r>
+              <a:rPr lang="de-DE" sz="2400" dirty="0" smtClean="0"/>
+              <a:t>Sprint 3</a:t>
+            </a:r>
+            <a:endParaRPr lang="de-DE" sz="2400" dirty="0"/>
+          </a:p>
+        </p:txBody>
+      </p:sp>
+      <p:pic>
+        <p:nvPicPr>
+          <p:cNvPr id="4" name="Inhaltsplatzhalter 3"/>
+          <p:cNvPicPr>
+            <a:picLocks noGrp="1" noChangeAspect="1"/>
+          </p:cNvPicPr>
+          <p:nvPr>
+            <p:ph idx="1"/>
+          </p:nvPr>
+        </p:nvPicPr>
+        <p:blipFill>
+          <a:blip r:embed="rId2">
+            <a:extLst>
+              <a:ext uri="{28A0092B-C50C-407E-A947-70E740481C1C}">
+                <a14:useLocalDpi xmlns:a14="http://schemas.microsoft.com/office/drawing/2010/main" val="0"/>
+              </a:ext>
+            </a:extLst>
+          </a:blip>
+          <a:stretch>
+            <a:fillRect/>
+          </a:stretch>
+        </p:blipFill>
+        <p:spPr>
+          <a:xfrm>
+            <a:off x="1152000" y="1690689"/>
+            <a:ext cx="6840000" cy="4101404"/>
+          </a:xfrm>
+        </p:spPr>
+      </p:pic>
+    </p:spTree>
+    <p:extLst>
+      <p:ext uri="{BB962C8B-B14F-4D97-AF65-F5344CB8AC3E}">
+        <p14:creationId xmlns:p14="http://schemas.microsoft.com/office/powerpoint/2010/main" val="4109004571"/>
+      </p:ext>
+    </p:extLst>
+  </p:cSld>
+  <p:clrMapOvr>
+    <a:masterClrMapping/>
+  </p:clrMapOvr>
+  <p:timing>
+    <p:tnLst>
+      <p:par>
+        <p:cTn id="1" dur="indefinite" restart="never" nodeType="tmRoot"/>
+      </p:par>
+    </p:tnLst>
+  </p:timing>
+</p:sld>
+</file>
+
+<file path=ppt/slides/slide13.xml><?xml version="1.0" encoding="utf-8"?>
+<p:sld xmlns:a="http://schemas.openxmlformats.org/drawingml/2006/main" xmlns:r="http://schemas.openxmlformats.org/officeDocument/2006/relationships" xmlns:p="http://schemas.openxmlformats.org/presentationml/2006/main">
+  <p:cSld>
+    <p:spTree>
+      <p:nvGrpSpPr>
+        <p:cNvPr id="1" name=""/>
+        <p:cNvGrpSpPr/>
+        <p:nvPr/>
+      </p:nvGrpSpPr>
+      <p:grpSpPr>
+        <a:xfrm>
+          <a:off x="0" y="0"/>
+          <a:ext cx="0" cy="0"/>
+          <a:chOff x="0" y="0"/>
+          <a:chExt cx="0" cy="0"/>
+        </a:xfrm>
+      </p:grpSpPr>
+      <p:sp>
+        <p:nvSpPr>
+          <p:cNvPr id="2" name="Titel 1"/>
+          <p:cNvSpPr>
+            <a:spLocks noGrp="1"/>
+          </p:cNvSpPr>
+          <p:nvPr>
+            <p:ph type="title"/>
+          </p:nvPr>
+        </p:nvSpPr>
+        <p:spPr/>
+        <p:txBody>
+          <a:bodyPr/>
+          <a:lstStyle/>
+          <a:p>
+            <a:r>
+              <a:rPr lang="de-DE" dirty="0" smtClean="0"/>
+              <a:t>Probleme</a:t>
+            </a:r>
+            <a:endParaRPr lang="de-DE" dirty="0"/>
+          </a:p>
+        </p:txBody>
+      </p:sp>
+      <p:sp>
+        <p:nvSpPr>
+          <p:cNvPr id="3" name="Inhaltsplatzhalter 2"/>
+          <p:cNvSpPr>
+            <a:spLocks noGrp="1"/>
+          </p:cNvSpPr>
+          <p:nvPr>
+            <p:ph idx="1"/>
+          </p:nvPr>
+        </p:nvSpPr>
+        <p:spPr/>
+        <p:txBody>
+          <a:bodyPr/>
+          <a:lstStyle/>
+          <a:p>
+            <a:r>
+              <a:rPr lang="de-DE" dirty="0" smtClean="0"/>
+              <a:t>Zu viele Personen</a:t>
+            </a:r>
+          </a:p>
+          <a:p>
+            <a:pPr lvl="1"/>
+            <a:r>
+              <a:rPr lang="de-DE" dirty="0" smtClean="0"/>
+              <a:t>Keine einfachen Absprachen möglich</a:t>
+            </a:r>
+          </a:p>
+          <a:p>
+            <a:pPr lvl="1"/>
+            <a:r>
+              <a:rPr lang="de-DE" dirty="0" smtClean="0"/>
+              <a:t>Managementaufwand zu hoch</a:t>
+            </a:r>
+          </a:p>
+          <a:p>
+            <a:pPr lvl="1"/>
+            <a:endParaRPr lang="de-DE" dirty="0" smtClean="0"/>
+          </a:p>
+          <a:p>
+            <a:r>
+              <a:rPr lang="de-DE" dirty="0" smtClean="0"/>
+              <a:t>Kein klarer Projektleiter</a:t>
+            </a:r>
+          </a:p>
+          <a:p>
+            <a:pPr lvl="1"/>
+            <a:r>
+              <a:rPr lang="de-DE" dirty="0" smtClean="0"/>
+              <a:t>Niemand fühlte sich verantwortlich</a:t>
+            </a:r>
+          </a:p>
+          <a:p>
+            <a:pPr lvl="1"/>
+            <a:r>
+              <a:rPr lang="de-DE" dirty="0" smtClean="0"/>
+              <a:t>Kritik wurde nicht ernst genommen</a:t>
+            </a:r>
+          </a:p>
+          <a:p>
+            <a:pPr lvl="1"/>
+            <a:r>
+              <a:rPr lang="de-DE" dirty="0" smtClean="0"/>
+              <a:t>Keine Hierarchien</a:t>
+            </a:r>
+          </a:p>
+          <a:p>
+            <a:pPr lvl="2"/>
+            <a:r>
+              <a:rPr lang="de-DE" dirty="0" smtClean="0"/>
+              <a:t>Zu lockeres Umfeld</a:t>
+            </a:r>
+          </a:p>
+          <a:p>
+            <a:pPr lvl="2"/>
+            <a:r>
+              <a:rPr lang="de-DE" dirty="0" smtClean="0"/>
+              <a:t>Jeder macht, was er will</a:t>
+            </a:r>
+          </a:p>
+          <a:p>
+            <a:pPr lvl="1"/>
+            <a:endParaRPr lang="de-DE" dirty="0" smtClean="0"/>
+          </a:p>
+        </p:txBody>
+      </p:sp>
+    </p:spTree>
+    <p:extLst>
+      <p:ext uri="{BB962C8B-B14F-4D97-AF65-F5344CB8AC3E}">
+        <p14:creationId xmlns:p14="http://schemas.microsoft.com/office/powerpoint/2010/main" val="1751503681"/>
+      </p:ext>
+    </p:extLst>
+  </p:cSld>
+  <p:clrMapOvr>
+    <a:masterClrMapping/>
+  </p:clrMapOvr>
+</p:sld>
+</file>
+
+<file path=ppt/slides/slide14.xml><?xml version="1.0" encoding="utf-8"?>
 <p:sld xmlns:a="http://schemas.openxmlformats.org/drawingml/2006/main" xmlns:r="http://schemas.openxmlformats.org/officeDocument/2006/relationships" xmlns:p="http://schemas.openxmlformats.org/presentationml/2006/main">
   <p:cSld>
     <p:spTree>
@@ -4235,39 +4706,1868 @@
               <a:rPr lang="de-DE" dirty="0" smtClean="0"/>
               <a:t>Projektdurchführung</a:t>
             </a:r>
-            <a:endParaRPr lang="de-DE" dirty="0"/>
-          </a:p>
-        </p:txBody>
-      </p:sp>
-      <p:pic>
-        <p:nvPicPr>
-          <p:cNvPr id="4" name="Inhaltsplatzhalter 3"/>
-          <p:cNvPicPr>
-            <a:picLocks noGrp="1" noChangeAspect="1"/>
-          </p:cNvPicPr>
+            <a:br>
+              <a:rPr lang="de-DE" dirty="0" smtClean="0"/>
+            </a:br>
+            <a:r>
+              <a:rPr lang="de-DE" sz="2400" dirty="0" smtClean="0"/>
+              <a:t>Sprint 1</a:t>
+            </a:r>
+            <a:endParaRPr lang="de-DE" sz="2400" dirty="0"/>
+          </a:p>
+        </p:txBody>
+      </p:sp>
+      <p:sp>
+        <p:nvSpPr>
+          <p:cNvPr id="3" name="Inhaltsplatzhalter 2"/>
+          <p:cNvSpPr>
+            <a:spLocks noGrp="1"/>
+          </p:cNvSpPr>
           <p:nvPr>
             <p:ph idx="1"/>
           </p:nvPr>
-        </p:nvPicPr>
-        <p:blipFill>
-          <a:blip r:embed="rId2">
-            <a:extLst>
-              <a:ext uri="{28A0092B-C50C-407E-A947-70E740481C1C}">
-                <a14:useLocalDpi xmlns:a14="http://schemas.microsoft.com/office/drawing/2010/main" val="0"/>
-              </a:ext>
-            </a:extLst>
-          </a:blip>
-          <a:stretch>
-            <a:fillRect/>
-          </a:stretch>
-        </p:blipFill>
-        <p:spPr>
-          <a:xfrm>
-            <a:off x="1152000" y="1690689"/>
-            <a:ext cx="6840000" cy="4142355"/>
-          </a:xfrm>
-        </p:spPr>
-      </p:pic>
+        </p:nvSpPr>
+        <p:spPr/>
+        <p:txBody>
+          <a:bodyPr/>
+          <a:lstStyle/>
+          <a:p>
+            <a:r>
+              <a:rPr lang="de-DE" dirty="0" smtClean="0"/>
+              <a:t>Arbeitsaufteilung</a:t>
+            </a:r>
+          </a:p>
+          <a:p>
+            <a:pPr lvl="1"/>
+            <a:r>
+              <a:rPr lang="de-DE" dirty="0" smtClean="0"/>
+              <a:t>Backend/</a:t>
+            </a:r>
+            <a:r>
+              <a:rPr lang="de-DE" dirty="0" err="1" smtClean="0"/>
+              <a:t>Middelware</a:t>
+            </a:r>
+            <a:r>
+              <a:rPr lang="de-DE" dirty="0" smtClean="0"/>
+              <a:t>, Datenhaltung, Frontend</a:t>
+            </a:r>
+          </a:p>
+          <a:p>
+            <a:r>
+              <a:rPr lang="de-DE" dirty="0" smtClean="0"/>
+              <a:t>User-Stories</a:t>
+            </a:r>
+          </a:p>
+        </p:txBody>
+      </p:sp>
+      <p:graphicFrame>
+        <p:nvGraphicFramePr>
+          <p:cNvPr id="6" name="Tabelle 5"/>
+          <p:cNvGraphicFramePr>
+            <a:graphicFrameLocks noGrp="1"/>
+          </p:cNvGraphicFramePr>
+          <p:nvPr>
+            <p:extLst>
+              <p:ext uri="{D42A27DB-BD31-4B8C-83A1-F6EECF244321}">
+                <p14:modId xmlns:p14="http://schemas.microsoft.com/office/powerpoint/2010/main" val="2584331426"/>
+              </p:ext>
+            </p:extLst>
+          </p:nvPr>
+        </p:nvGraphicFramePr>
+        <p:xfrm>
+          <a:off x="1853565" y="3309933"/>
+          <a:ext cx="5436870" cy="3103250"/>
+        </p:xfrm>
+        <a:graphic>
+          <a:graphicData uri="http://schemas.openxmlformats.org/drawingml/2006/table">
+            <a:tbl>
+              <a:tblPr>
+                <a:tableStyleId>{5C22544A-7EE6-4342-B048-85BDC9FD1C3A}</a:tableStyleId>
+              </a:tblPr>
+              <a:tblGrid>
+                <a:gridCol w="769311"/>
+                <a:gridCol w="2341018"/>
+                <a:gridCol w="2326541"/>
+              </a:tblGrid>
+              <a:tr h="124130">
+                <a:tc>
+                  <a:txBody>
+                    <a:bodyPr/>
+                    <a:lstStyle/>
+                    <a:p>
+                      <a:pPr algn="l" fontAlgn="b"/>
+                      <a:r>
+                        <a:rPr lang="de-DE" sz="700" u="none" strike="noStrike" dirty="0">
+                          <a:effectLst/>
+                        </a:rPr>
+                        <a:t>Als…</a:t>
+                      </a:r>
+                      <a:endParaRPr lang="de-DE" sz="700" b="0" i="0" u="none" strike="noStrike" dirty="0">
+                        <a:solidFill>
+                          <a:srgbClr val="000000"/>
+                        </a:solidFill>
+                        <a:effectLst/>
+                        <a:latin typeface="Calibri" panose="020F0502020204030204" pitchFamily="34" charset="0"/>
+                      </a:endParaRPr>
+                    </a:p>
+                  </a:txBody>
+                  <a:tcPr marL="6207" marR="6207" marT="6207" marB="0" anchor="b"/>
+                </a:tc>
+                <a:tc>
+                  <a:txBody>
+                    <a:bodyPr/>
+                    <a:lstStyle/>
+                    <a:p>
+                      <a:pPr algn="l" fontAlgn="b"/>
+                      <a:r>
+                        <a:rPr lang="de-DE" sz="700" u="none" strike="noStrike">
+                          <a:effectLst/>
+                        </a:rPr>
+                        <a:t>möchte ich …</a:t>
+                      </a:r>
+                      <a:endParaRPr lang="de-DE" sz="700" b="0" i="0" u="none" strike="noStrike">
+                        <a:solidFill>
+                          <a:srgbClr val="000000"/>
+                        </a:solidFill>
+                        <a:effectLst/>
+                        <a:latin typeface="Calibri" panose="020F0502020204030204" pitchFamily="34" charset="0"/>
+                      </a:endParaRPr>
+                    </a:p>
+                  </a:txBody>
+                  <a:tcPr marL="6207" marR="6207" marT="6207" marB="0" anchor="b"/>
+                </a:tc>
+                <a:tc>
+                  <a:txBody>
+                    <a:bodyPr/>
+                    <a:lstStyle/>
+                    <a:p>
+                      <a:pPr algn="l" fontAlgn="b"/>
+                      <a:r>
+                        <a:rPr lang="de-DE" sz="700" u="none" strike="noStrike">
+                          <a:effectLst/>
+                        </a:rPr>
+                        <a:t>damit…</a:t>
+                      </a:r>
+                      <a:endParaRPr lang="de-DE" sz="700" b="0" i="0" u="none" strike="noStrike">
+                        <a:solidFill>
+                          <a:srgbClr val="000000"/>
+                        </a:solidFill>
+                        <a:effectLst/>
+                        <a:latin typeface="Calibri" panose="020F0502020204030204" pitchFamily="34" charset="0"/>
+                      </a:endParaRPr>
+                    </a:p>
+                  </a:txBody>
+                  <a:tcPr marL="6207" marR="6207" marT="6207" marB="0" anchor="b"/>
+                </a:tc>
+              </a:tr>
+              <a:tr h="124130">
+                <a:tc>
+                  <a:txBody>
+                    <a:bodyPr/>
+                    <a:lstStyle/>
+                    <a:p>
+                      <a:pPr algn="l" fontAlgn="b"/>
+                      <a:r>
+                        <a:rPr lang="de-DE" sz="700" u="none" strike="noStrike">
+                          <a:effectLst/>
+                        </a:rPr>
+                        <a:t>Benutzer</a:t>
+                      </a:r>
+                      <a:endParaRPr lang="de-DE" sz="700" b="0" i="0" u="none" strike="noStrike">
+                        <a:solidFill>
+                          <a:srgbClr val="000000"/>
+                        </a:solidFill>
+                        <a:effectLst/>
+                        <a:latin typeface="Calibri" panose="020F0502020204030204" pitchFamily="34" charset="0"/>
+                      </a:endParaRPr>
+                    </a:p>
+                  </a:txBody>
+                  <a:tcPr marL="6207" marR="6207" marT="6207" marB="0" anchor="b"/>
+                </a:tc>
+                <a:tc>
+                  <a:txBody>
+                    <a:bodyPr/>
+                    <a:lstStyle/>
+                    <a:p>
+                      <a:pPr algn="l" fontAlgn="b"/>
+                      <a:r>
+                        <a:rPr lang="de-DE" sz="700" u="none" strike="noStrike">
+                          <a:effectLst/>
+                        </a:rPr>
+                        <a:t>mich anmelden</a:t>
+                      </a:r>
+                      <a:endParaRPr lang="de-DE" sz="700" b="0" i="0" u="none" strike="noStrike">
+                        <a:solidFill>
+                          <a:srgbClr val="000000"/>
+                        </a:solidFill>
+                        <a:effectLst/>
+                        <a:latin typeface="Calibri" panose="020F0502020204030204" pitchFamily="34" charset="0"/>
+                      </a:endParaRPr>
+                    </a:p>
+                  </a:txBody>
+                  <a:tcPr marL="6207" marR="6207" marT="6207" marB="0" anchor="b"/>
+                </a:tc>
+                <a:tc>
+                  <a:txBody>
+                    <a:bodyPr/>
+                    <a:lstStyle/>
+                    <a:p>
+                      <a:pPr algn="l" fontAlgn="b"/>
+                      <a:r>
+                        <a:rPr lang="de-DE" sz="700" u="none" strike="noStrike">
+                          <a:effectLst/>
+                        </a:rPr>
+                        <a:t>ich  auf meine Inhalte zugreifen kann</a:t>
+                      </a:r>
+                      <a:endParaRPr lang="de-DE" sz="700" b="0" i="0" u="none" strike="noStrike">
+                        <a:solidFill>
+                          <a:srgbClr val="000000"/>
+                        </a:solidFill>
+                        <a:effectLst/>
+                        <a:latin typeface="Calibri" panose="020F0502020204030204" pitchFamily="34" charset="0"/>
+                      </a:endParaRPr>
+                    </a:p>
+                  </a:txBody>
+                  <a:tcPr marL="6207" marR="6207" marT="6207" marB="0" anchor="b"/>
+                </a:tc>
+              </a:tr>
+              <a:tr h="124130">
+                <a:tc>
+                  <a:txBody>
+                    <a:bodyPr/>
+                    <a:lstStyle/>
+                    <a:p>
+                      <a:pPr algn="l" fontAlgn="b"/>
+                      <a:r>
+                        <a:rPr lang="de-DE" sz="700" u="none" strike="noStrike">
+                          <a:effectLst/>
+                        </a:rPr>
+                        <a:t>Benutzer</a:t>
+                      </a:r>
+                      <a:endParaRPr lang="de-DE" sz="700" b="0" i="0" u="none" strike="noStrike">
+                        <a:solidFill>
+                          <a:srgbClr val="000000"/>
+                        </a:solidFill>
+                        <a:effectLst/>
+                        <a:latin typeface="Calibri" panose="020F0502020204030204" pitchFamily="34" charset="0"/>
+                      </a:endParaRPr>
+                    </a:p>
+                  </a:txBody>
+                  <a:tcPr marL="6207" marR="6207" marT="6207" marB="0" anchor="b"/>
+                </a:tc>
+                <a:tc>
+                  <a:txBody>
+                    <a:bodyPr/>
+                    <a:lstStyle/>
+                    <a:p>
+                      <a:pPr algn="l" fontAlgn="b"/>
+                      <a:r>
+                        <a:rPr lang="de-DE" sz="700" u="none" strike="noStrike">
+                          <a:effectLst/>
+                        </a:rPr>
+                        <a:t>mich abmelden</a:t>
+                      </a:r>
+                      <a:endParaRPr lang="de-DE" sz="700" b="0" i="0" u="none" strike="noStrike">
+                        <a:solidFill>
+                          <a:srgbClr val="000000"/>
+                        </a:solidFill>
+                        <a:effectLst/>
+                        <a:latin typeface="Calibri" panose="020F0502020204030204" pitchFamily="34" charset="0"/>
+                      </a:endParaRPr>
+                    </a:p>
+                  </a:txBody>
+                  <a:tcPr marL="6207" marR="6207" marT="6207" marB="0" anchor="b"/>
+                </a:tc>
+                <a:tc>
+                  <a:txBody>
+                    <a:bodyPr/>
+                    <a:lstStyle/>
+                    <a:p>
+                      <a:pPr algn="l" fontAlgn="b"/>
+                      <a:r>
+                        <a:rPr lang="de-DE" sz="700" u="none" strike="noStrike">
+                          <a:effectLst/>
+                        </a:rPr>
+                        <a:t>niemand auf meine Inhalte zugreifen kann</a:t>
+                      </a:r>
+                      <a:endParaRPr lang="de-DE" sz="700" b="0" i="0" u="none" strike="noStrike">
+                        <a:solidFill>
+                          <a:srgbClr val="000000"/>
+                        </a:solidFill>
+                        <a:effectLst/>
+                        <a:latin typeface="Calibri" panose="020F0502020204030204" pitchFamily="34" charset="0"/>
+                      </a:endParaRPr>
+                    </a:p>
+                  </a:txBody>
+                  <a:tcPr marL="6207" marR="6207" marT="6207" marB="0" anchor="b"/>
+                </a:tc>
+              </a:tr>
+              <a:tr h="124130">
+                <a:tc>
+                  <a:txBody>
+                    <a:bodyPr/>
+                    <a:lstStyle/>
+                    <a:p>
+                      <a:pPr algn="l" fontAlgn="b"/>
+                      <a:r>
+                        <a:rPr lang="de-DE" sz="700" u="none" strike="noStrike">
+                          <a:effectLst/>
+                        </a:rPr>
+                        <a:t>Benutzer</a:t>
+                      </a:r>
+                      <a:endParaRPr lang="de-DE" sz="700" b="0" i="0" u="none" strike="noStrike">
+                        <a:solidFill>
+                          <a:srgbClr val="000000"/>
+                        </a:solidFill>
+                        <a:effectLst/>
+                        <a:latin typeface="Calibri" panose="020F0502020204030204" pitchFamily="34" charset="0"/>
+                      </a:endParaRPr>
+                    </a:p>
+                  </a:txBody>
+                  <a:tcPr marL="6207" marR="6207" marT="6207" marB="0" anchor="b"/>
+                </a:tc>
+                <a:tc>
+                  <a:txBody>
+                    <a:bodyPr/>
+                    <a:lstStyle/>
+                    <a:p>
+                      <a:pPr algn="l" fontAlgn="b"/>
+                      <a:r>
+                        <a:rPr lang="de-DE" sz="700" u="none" strike="noStrike">
+                          <a:effectLst/>
+                        </a:rPr>
+                        <a:t>einen Tipp für ein Spiel abgeben können</a:t>
+                      </a:r>
+                      <a:endParaRPr lang="de-DE" sz="700" b="0" i="0" u="none" strike="noStrike">
+                        <a:solidFill>
+                          <a:srgbClr val="000000"/>
+                        </a:solidFill>
+                        <a:effectLst/>
+                        <a:latin typeface="Calibri" panose="020F0502020204030204" pitchFamily="34" charset="0"/>
+                      </a:endParaRPr>
+                    </a:p>
+                  </a:txBody>
+                  <a:tcPr marL="6207" marR="6207" marT="6207" marB="0" anchor="b"/>
+                </a:tc>
+                <a:tc>
+                  <a:txBody>
+                    <a:bodyPr/>
+                    <a:lstStyle/>
+                    <a:p>
+                      <a:pPr algn="l" fontAlgn="b"/>
+                      <a:r>
+                        <a:rPr lang="de-DE" sz="700" u="none" strike="noStrike">
+                          <a:effectLst/>
+                        </a:rPr>
+                        <a:t>ich Punkte erspielen kann</a:t>
+                      </a:r>
+                      <a:endParaRPr lang="de-DE" sz="700" b="0" i="0" u="none" strike="noStrike">
+                        <a:solidFill>
+                          <a:srgbClr val="000000"/>
+                        </a:solidFill>
+                        <a:effectLst/>
+                        <a:latin typeface="Calibri" panose="020F0502020204030204" pitchFamily="34" charset="0"/>
+                      </a:endParaRPr>
+                    </a:p>
+                  </a:txBody>
+                  <a:tcPr marL="6207" marR="6207" marT="6207" marB="0" anchor="b"/>
+                </a:tc>
+              </a:tr>
+              <a:tr h="124130">
+                <a:tc>
+                  <a:txBody>
+                    <a:bodyPr/>
+                    <a:lstStyle/>
+                    <a:p>
+                      <a:pPr algn="l" fontAlgn="b"/>
+                      <a:r>
+                        <a:rPr lang="de-DE" sz="700" u="none" strike="noStrike">
+                          <a:effectLst/>
+                        </a:rPr>
+                        <a:t>Benutzer</a:t>
+                      </a:r>
+                      <a:endParaRPr lang="de-DE" sz="700" b="0" i="0" u="none" strike="noStrike">
+                        <a:solidFill>
+                          <a:srgbClr val="000000"/>
+                        </a:solidFill>
+                        <a:effectLst/>
+                        <a:latin typeface="Calibri" panose="020F0502020204030204" pitchFamily="34" charset="0"/>
+                      </a:endParaRPr>
+                    </a:p>
+                  </a:txBody>
+                  <a:tcPr marL="6207" marR="6207" marT="6207" marB="0" anchor="b"/>
+                </a:tc>
+                <a:tc>
+                  <a:txBody>
+                    <a:bodyPr/>
+                    <a:lstStyle/>
+                    <a:p>
+                      <a:pPr algn="l" fontAlgn="b"/>
+                      <a:r>
+                        <a:rPr lang="de-DE" sz="700" u="none" strike="noStrike">
+                          <a:effectLst/>
+                        </a:rPr>
+                        <a:t>die Bestenliste einsehen können</a:t>
+                      </a:r>
+                      <a:endParaRPr lang="de-DE" sz="700" b="0" i="0" u="none" strike="noStrike">
+                        <a:solidFill>
+                          <a:srgbClr val="000000"/>
+                        </a:solidFill>
+                        <a:effectLst/>
+                        <a:latin typeface="Calibri" panose="020F0502020204030204" pitchFamily="34" charset="0"/>
+                      </a:endParaRPr>
+                    </a:p>
+                  </a:txBody>
+                  <a:tcPr marL="6207" marR="6207" marT="6207" marB="0" anchor="b"/>
+                </a:tc>
+                <a:tc>
+                  <a:txBody>
+                    <a:bodyPr/>
+                    <a:lstStyle/>
+                    <a:p>
+                      <a:pPr algn="l" fontAlgn="b"/>
+                      <a:r>
+                        <a:rPr lang="de-DE" sz="700" u="none" strike="noStrike">
+                          <a:effectLst/>
+                        </a:rPr>
+                        <a:t>ich eine Übersicht über den aktuellen Stand bekomme</a:t>
+                      </a:r>
+                      <a:endParaRPr lang="de-DE" sz="700" b="0" i="0" u="none" strike="noStrike">
+                        <a:solidFill>
+                          <a:srgbClr val="000000"/>
+                        </a:solidFill>
+                        <a:effectLst/>
+                        <a:latin typeface="Calibri" panose="020F0502020204030204" pitchFamily="34" charset="0"/>
+                      </a:endParaRPr>
+                    </a:p>
+                  </a:txBody>
+                  <a:tcPr marL="6207" marR="6207" marT="6207" marB="0" anchor="b"/>
+                </a:tc>
+              </a:tr>
+              <a:tr h="124130">
+                <a:tc>
+                  <a:txBody>
+                    <a:bodyPr/>
+                    <a:lstStyle/>
+                    <a:p>
+                      <a:pPr algn="l" fontAlgn="b"/>
+                      <a:r>
+                        <a:rPr lang="de-DE" sz="700" u="none" strike="noStrike" dirty="0">
+                          <a:effectLst/>
+                        </a:rPr>
+                        <a:t>Benutzer</a:t>
+                      </a:r>
+                      <a:endParaRPr lang="de-DE" sz="700" b="0" i="0" u="none" strike="noStrike" dirty="0">
+                        <a:solidFill>
+                          <a:srgbClr val="000000"/>
+                        </a:solidFill>
+                        <a:effectLst/>
+                        <a:latin typeface="Calibri" panose="020F0502020204030204" pitchFamily="34" charset="0"/>
+                      </a:endParaRPr>
+                    </a:p>
+                  </a:txBody>
+                  <a:tcPr marL="6207" marR="6207" marT="6207" marB="0" anchor="b"/>
+                </a:tc>
+                <a:tc>
+                  <a:txBody>
+                    <a:bodyPr/>
+                    <a:lstStyle/>
+                    <a:p>
+                      <a:pPr algn="l" fontAlgn="b"/>
+                      <a:r>
+                        <a:rPr lang="de-DE" sz="700" u="none" strike="noStrike">
+                          <a:effectLst/>
+                        </a:rPr>
+                        <a:t>WM / EM tippen können</a:t>
+                      </a:r>
+                      <a:endParaRPr lang="de-DE" sz="700" b="0" i="0" u="none" strike="noStrike">
+                        <a:solidFill>
+                          <a:srgbClr val="000000"/>
+                        </a:solidFill>
+                        <a:effectLst/>
+                        <a:latin typeface="Calibri" panose="020F0502020204030204" pitchFamily="34" charset="0"/>
+                      </a:endParaRPr>
+                    </a:p>
+                  </a:txBody>
+                  <a:tcPr marL="6207" marR="6207" marT="6207" marB="0" anchor="b"/>
+                </a:tc>
+                <a:tc>
+                  <a:txBody>
+                    <a:bodyPr/>
+                    <a:lstStyle/>
+                    <a:p>
+                      <a:pPr algn="l" fontAlgn="b"/>
+                      <a:r>
+                        <a:rPr lang="de-DE" sz="700" u="none" strike="noStrike">
+                          <a:effectLst/>
+                        </a:rPr>
+                        <a:t>ich eine größere Auswahl habe</a:t>
+                      </a:r>
+                      <a:endParaRPr lang="de-DE" sz="700" b="0" i="0" u="none" strike="noStrike">
+                        <a:solidFill>
+                          <a:srgbClr val="000000"/>
+                        </a:solidFill>
+                        <a:effectLst/>
+                        <a:latin typeface="Calibri" panose="020F0502020204030204" pitchFamily="34" charset="0"/>
+                      </a:endParaRPr>
+                    </a:p>
+                  </a:txBody>
+                  <a:tcPr marL="6207" marR="6207" marT="6207" marB="0" anchor="b"/>
+                </a:tc>
+              </a:tr>
+              <a:tr h="124130">
+                <a:tc>
+                  <a:txBody>
+                    <a:bodyPr/>
+                    <a:lstStyle/>
+                    <a:p>
+                      <a:pPr algn="l" fontAlgn="b"/>
+                      <a:r>
+                        <a:rPr lang="de-DE" sz="700" u="none" strike="noStrike">
+                          <a:effectLst/>
+                        </a:rPr>
+                        <a:t>Benutzer</a:t>
+                      </a:r>
+                      <a:endParaRPr lang="de-DE" sz="700" b="0" i="0" u="none" strike="noStrike">
+                        <a:solidFill>
+                          <a:srgbClr val="000000"/>
+                        </a:solidFill>
+                        <a:effectLst/>
+                        <a:latin typeface="Calibri" panose="020F0502020204030204" pitchFamily="34" charset="0"/>
+                      </a:endParaRPr>
+                    </a:p>
+                  </a:txBody>
+                  <a:tcPr marL="6207" marR="6207" marT="6207" marB="0" anchor="b"/>
+                </a:tc>
+                <a:tc>
+                  <a:txBody>
+                    <a:bodyPr/>
+                    <a:lstStyle/>
+                    <a:p>
+                      <a:pPr algn="l" fontAlgn="b"/>
+                      <a:r>
+                        <a:rPr lang="de-DE" sz="700" u="none" strike="noStrike">
+                          <a:effectLst/>
+                        </a:rPr>
+                        <a:t>möchte ich mich einer Tippgruppe anschließen können</a:t>
+                      </a:r>
+                      <a:endParaRPr lang="de-DE" sz="700" b="0" i="0" u="none" strike="noStrike">
+                        <a:solidFill>
+                          <a:srgbClr val="000000"/>
+                        </a:solidFill>
+                        <a:effectLst/>
+                        <a:latin typeface="Calibri" panose="020F0502020204030204" pitchFamily="34" charset="0"/>
+                      </a:endParaRPr>
+                    </a:p>
+                  </a:txBody>
+                  <a:tcPr marL="6207" marR="6207" marT="6207" marB="0" anchor="b"/>
+                </a:tc>
+                <a:tc>
+                  <a:txBody>
+                    <a:bodyPr/>
+                    <a:lstStyle/>
+                    <a:p>
+                      <a:pPr algn="l" fontAlgn="b"/>
+                      <a:r>
+                        <a:rPr lang="de-DE" sz="700" u="none" strike="noStrike">
+                          <a:effectLst/>
+                        </a:rPr>
+                        <a:t>ich abteilungsunabhängig Gruppen bilden kann</a:t>
+                      </a:r>
+                      <a:endParaRPr lang="de-DE" sz="700" b="0" i="0" u="none" strike="noStrike">
+                        <a:solidFill>
+                          <a:srgbClr val="000000"/>
+                        </a:solidFill>
+                        <a:effectLst/>
+                        <a:latin typeface="Calibri" panose="020F0502020204030204" pitchFamily="34" charset="0"/>
+                      </a:endParaRPr>
+                    </a:p>
+                  </a:txBody>
+                  <a:tcPr marL="6207" marR="6207" marT="6207" marB="0" anchor="b"/>
+                </a:tc>
+              </a:tr>
+              <a:tr h="124130">
+                <a:tc>
+                  <a:txBody>
+                    <a:bodyPr/>
+                    <a:lstStyle/>
+                    <a:p>
+                      <a:pPr algn="l" fontAlgn="b"/>
+                      <a:r>
+                        <a:rPr lang="de-DE" sz="700" u="none" strike="noStrike">
+                          <a:effectLst/>
+                        </a:rPr>
+                        <a:t>Benutzer</a:t>
+                      </a:r>
+                      <a:endParaRPr lang="de-DE" sz="700" b="0" i="0" u="none" strike="noStrike">
+                        <a:solidFill>
+                          <a:srgbClr val="000000"/>
+                        </a:solidFill>
+                        <a:effectLst/>
+                        <a:latin typeface="Calibri" panose="020F0502020204030204" pitchFamily="34" charset="0"/>
+                      </a:endParaRPr>
+                    </a:p>
+                  </a:txBody>
+                  <a:tcPr marL="6207" marR="6207" marT="6207" marB="0" anchor="b"/>
+                </a:tc>
+                <a:tc>
+                  <a:txBody>
+                    <a:bodyPr/>
+                    <a:lstStyle/>
+                    <a:p>
+                      <a:pPr algn="l" fontAlgn="b"/>
+                      <a:r>
+                        <a:rPr lang="de-DE" sz="700" u="none" strike="noStrike" dirty="0">
+                          <a:effectLst/>
+                        </a:rPr>
+                        <a:t>die aktuelle Ligatabelle einsehen können</a:t>
+                      </a:r>
+                      <a:endParaRPr lang="de-DE" sz="700" b="0" i="0" u="none" strike="noStrike" dirty="0">
+                        <a:solidFill>
+                          <a:srgbClr val="000000"/>
+                        </a:solidFill>
+                        <a:effectLst/>
+                        <a:latin typeface="Calibri" panose="020F0502020204030204" pitchFamily="34" charset="0"/>
+                      </a:endParaRPr>
+                    </a:p>
+                  </a:txBody>
+                  <a:tcPr marL="6207" marR="6207" marT="6207" marB="0" anchor="b"/>
+                </a:tc>
+                <a:tc>
+                  <a:txBody>
+                    <a:bodyPr/>
+                    <a:lstStyle/>
+                    <a:p>
+                      <a:pPr algn="l" fontAlgn="b"/>
+                      <a:r>
+                        <a:rPr lang="de-DE" sz="700" u="none" strike="noStrike">
+                          <a:effectLst/>
+                        </a:rPr>
+                        <a:t>ich eine Übersicht über die bisherigen Ergebnisse habe</a:t>
+                      </a:r>
+                      <a:endParaRPr lang="de-DE" sz="700" b="0" i="0" u="none" strike="noStrike">
+                        <a:solidFill>
+                          <a:srgbClr val="000000"/>
+                        </a:solidFill>
+                        <a:effectLst/>
+                        <a:latin typeface="Calibri" panose="020F0502020204030204" pitchFamily="34" charset="0"/>
+                      </a:endParaRPr>
+                    </a:p>
+                  </a:txBody>
+                  <a:tcPr marL="6207" marR="6207" marT="6207" marB="0" anchor="b"/>
+                </a:tc>
+              </a:tr>
+              <a:tr h="124130">
+                <a:tc>
+                  <a:txBody>
+                    <a:bodyPr/>
+                    <a:lstStyle/>
+                    <a:p>
+                      <a:pPr algn="l" fontAlgn="b"/>
+                      <a:r>
+                        <a:rPr lang="de-DE" sz="700" u="none" strike="noStrike">
+                          <a:effectLst/>
+                        </a:rPr>
+                        <a:t>Benutzer</a:t>
+                      </a:r>
+                      <a:endParaRPr lang="de-DE" sz="700" b="0" i="0" u="none" strike="noStrike">
+                        <a:solidFill>
+                          <a:srgbClr val="000000"/>
+                        </a:solidFill>
+                        <a:effectLst/>
+                        <a:latin typeface="Calibri" panose="020F0502020204030204" pitchFamily="34" charset="0"/>
+                      </a:endParaRPr>
+                    </a:p>
+                  </a:txBody>
+                  <a:tcPr marL="6207" marR="6207" marT="6207" marB="0" anchor="b"/>
+                </a:tc>
+                <a:tc>
+                  <a:txBody>
+                    <a:bodyPr/>
+                    <a:lstStyle/>
+                    <a:p>
+                      <a:pPr algn="l" fontAlgn="b"/>
+                      <a:r>
+                        <a:rPr lang="de-DE" sz="700" u="none" strike="noStrike" dirty="0">
+                          <a:effectLst/>
+                        </a:rPr>
+                        <a:t>einen Tipp verändern können</a:t>
+                      </a:r>
+                      <a:endParaRPr lang="de-DE" sz="700" b="0" i="0" u="none" strike="noStrike" dirty="0">
+                        <a:solidFill>
+                          <a:srgbClr val="000000"/>
+                        </a:solidFill>
+                        <a:effectLst/>
+                        <a:latin typeface="Calibri" panose="020F0502020204030204" pitchFamily="34" charset="0"/>
+                      </a:endParaRPr>
+                    </a:p>
+                  </a:txBody>
+                  <a:tcPr marL="6207" marR="6207" marT="6207" marB="0" anchor="b"/>
+                </a:tc>
+                <a:tc>
+                  <a:txBody>
+                    <a:bodyPr/>
+                    <a:lstStyle/>
+                    <a:p>
+                      <a:pPr algn="l" fontAlgn="b"/>
+                      <a:r>
+                        <a:rPr lang="de-DE" sz="700" u="none" strike="noStrike">
+                          <a:effectLst/>
+                        </a:rPr>
+                        <a:t>ich mich an aktuelle Ereignisse anpassen kann</a:t>
+                      </a:r>
+                      <a:endParaRPr lang="de-DE" sz="700" b="0" i="0" u="none" strike="noStrike">
+                        <a:solidFill>
+                          <a:srgbClr val="000000"/>
+                        </a:solidFill>
+                        <a:effectLst/>
+                        <a:latin typeface="Calibri" panose="020F0502020204030204" pitchFamily="34" charset="0"/>
+                      </a:endParaRPr>
+                    </a:p>
+                  </a:txBody>
+                  <a:tcPr marL="6207" marR="6207" marT="6207" marB="0" anchor="b"/>
+                </a:tc>
+              </a:tr>
+              <a:tr h="124130">
+                <a:tc>
+                  <a:txBody>
+                    <a:bodyPr/>
+                    <a:lstStyle/>
+                    <a:p>
+                      <a:pPr algn="l" fontAlgn="b"/>
+                      <a:r>
+                        <a:rPr lang="de-DE" sz="700" u="none" strike="noStrike">
+                          <a:effectLst/>
+                        </a:rPr>
+                        <a:t>Benutzer</a:t>
+                      </a:r>
+                      <a:endParaRPr lang="de-DE" sz="700" b="0" i="0" u="none" strike="noStrike">
+                        <a:solidFill>
+                          <a:srgbClr val="000000"/>
+                        </a:solidFill>
+                        <a:effectLst/>
+                        <a:latin typeface="Calibri" panose="020F0502020204030204" pitchFamily="34" charset="0"/>
+                      </a:endParaRPr>
+                    </a:p>
+                  </a:txBody>
+                  <a:tcPr marL="6207" marR="6207" marT="6207" marB="0" anchor="b"/>
+                </a:tc>
+                <a:tc>
+                  <a:txBody>
+                    <a:bodyPr/>
+                    <a:lstStyle/>
+                    <a:p>
+                      <a:pPr algn="l" fontAlgn="b"/>
+                      <a:r>
+                        <a:rPr lang="de-DE" sz="700" u="none" strike="noStrike" dirty="0">
+                          <a:effectLst/>
+                        </a:rPr>
+                        <a:t>meine aktuellen Punkte einsehen</a:t>
+                      </a:r>
+                      <a:endParaRPr lang="de-DE" sz="700" b="0" i="0" u="none" strike="noStrike" dirty="0">
+                        <a:solidFill>
+                          <a:srgbClr val="000000"/>
+                        </a:solidFill>
+                        <a:effectLst/>
+                        <a:latin typeface="Calibri" panose="020F0502020204030204" pitchFamily="34" charset="0"/>
+                      </a:endParaRPr>
+                    </a:p>
+                  </a:txBody>
+                  <a:tcPr marL="6207" marR="6207" marT="6207" marB="0" anchor="b"/>
+                </a:tc>
+                <a:tc>
+                  <a:txBody>
+                    <a:bodyPr/>
+                    <a:lstStyle/>
+                    <a:p>
+                      <a:pPr algn="l" fontAlgn="b"/>
+                      <a:r>
+                        <a:rPr lang="de-DE" sz="700" u="none" strike="noStrike">
+                          <a:effectLst/>
+                        </a:rPr>
+                        <a:t>ich weiß, wo ich momentan in der Tabelle stehe</a:t>
+                      </a:r>
+                      <a:endParaRPr lang="de-DE" sz="700" b="0" i="0" u="none" strike="noStrike">
+                        <a:solidFill>
+                          <a:srgbClr val="000000"/>
+                        </a:solidFill>
+                        <a:effectLst/>
+                        <a:latin typeface="Calibri" panose="020F0502020204030204" pitchFamily="34" charset="0"/>
+                      </a:endParaRPr>
+                    </a:p>
+                  </a:txBody>
+                  <a:tcPr marL="6207" marR="6207" marT="6207" marB="0" anchor="b"/>
+                </a:tc>
+              </a:tr>
+              <a:tr h="124130">
+                <a:tc>
+                  <a:txBody>
+                    <a:bodyPr/>
+                    <a:lstStyle/>
+                    <a:p>
+                      <a:pPr algn="l" fontAlgn="b"/>
+                      <a:r>
+                        <a:rPr lang="de-DE" sz="700" u="none" strike="noStrike">
+                          <a:effectLst/>
+                        </a:rPr>
+                        <a:t>Benutzer</a:t>
+                      </a:r>
+                      <a:endParaRPr lang="de-DE" sz="700" b="0" i="0" u="none" strike="noStrike">
+                        <a:solidFill>
+                          <a:srgbClr val="000000"/>
+                        </a:solidFill>
+                        <a:effectLst/>
+                        <a:latin typeface="Calibri" panose="020F0502020204030204" pitchFamily="34" charset="0"/>
+                      </a:endParaRPr>
+                    </a:p>
+                  </a:txBody>
+                  <a:tcPr marL="6207" marR="6207" marT="6207" marB="0" anchor="b"/>
+                </a:tc>
+                <a:tc>
+                  <a:txBody>
+                    <a:bodyPr/>
+                    <a:lstStyle/>
+                    <a:p>
+                      <a:pPr algn="l" fontAlgn="b"/>
+                      <a:r>
+                        <a:rPr lang="de-DE" sz="700" u="none" strike="noStrike" dirty="0">
+                          <a:effectLst/>
+                        </a:rPr>
+                        <a:t>den Spielplan einsehen</a:t>
+                      </a:r>
+                      <a:endParaRPr lang="de-DE" sz="700" b="0" i="0" u="none" strike="noStrike" dirty="0">
+                        <a:solidFill>
+                          <a:srgbClr val="000000"/>
+                        </a:solidFill>
+                        <a:effectLst/>
+                        <a:latin typeface="Calibri" panose="020F0502020204030204" pitchFamily="34" charset="0"/>
+                      </a:endParaRPr>
+                    </a:p>
+                  </a:txBody>
+                  <a:tcPr marL="6207" marR="6207" marT="6207" marB="0" anchor="b"/>
+                </a:tc>
+                <a:tc>
+                  <a:txBody>
+                    <a:bodyPr/>
+                    <a:lstStyle/>
+                    <a:p>
+                      <a:pPr algn="l" fontAlgn="b"/>
+                      <a:r>
+                        <a:rPr lang="de-DE" sz="700" u="none" strike="noStrike">
+                          <a:effectLst/>
+                        </a:rPr>
+                        <a:t>ich einen Tipp abgeben kann</a:t>
+                      </a:r>
+                      <a:endParaRPr lang="de-DE" sz="700" b="0" i="0" u="none" strike="noStrike">
+                        <a:solidFill>
+                          <a:srgbClr val="000000"/>
+                        </a:solidFill>
+                        <a:effectLst/>
+                        <a:latin typeface="Calibri" panose="020F0502020204030204" pitchFamily="34" charset="0"/>
+                      </a:endParaRPr>
+                    </a:p>
+                  </a:txBody>
+                  <a:tcPr marL="6207" marR="6207" marT="6207" marB="0" anchor="b"/>
+                </a:tc>
+              </a:tr>
+              <a:tr h="124130">
+                <a:tc>
+                  <a:txBody>
+                    <a:bodyPr/>
+                    <a:lstStyle/>
+                    <a:p>
+                      <a:pPr algn="l" fontAlgn="b"/>
+                      <a:r>
+                        <a:rPr lang="de-DE" sz="700" u="none" strike="noStrike">
+                          <a:effectLst/>
+                        </a:rPr>
+                        <a:t>Benutzer</a:t>
+                      </a:r>
+                      <a:endParaRPr lang="de-DE" sz="700" b="0" i="0" u="none" strike="noStrike">
+                        <a:solidFill>
+                          <a:srgbClr val="000000"/>
+                        </a:solidFill>
+                        <a:effectLst/>
+                        <a:latin typeface="Calibri" panose="020F0502020204030204" pitchFamily="34" charset="0"/>
+                      </a:endParaRPr>
+                    </a:p>
+                  </a:txBody>
+                  <a:tcPr marL="6207" marR="6207" marT="6207" marB="0" anchor="b"/>
+                </a:tc>
+                <a:tc>
+                  <a:txBody>
+                    <a:bodyPr/>
+                    <a:lstStyle/>
+                    <a:p>
+                      <a:pPr algn="l" fontAlgn="b"/>
+                      <a:r>
+                        <a:rPr lang="de-DE" sz="700" u="none" strike="noStrike" dirty="0">
+                          <a:effectLst/>
+                        </a:rPr>
+                        <a:t>die Bestenliste sortieren können</a:t>
+                      </a:r>
+                      <a:endParaRPr lang="de-DE" sz="700" b="0" i="0" u="none" strike="noStrike" dirty="0">
+                        <a:solidFill>
+                          <a:srgbClr val="000000"/>
+                        </a:solidFill>
+                        <a:effectLst/>
+                        <a:latin typeface="Calibri" panose="020F0502020204030204" pitchFamily="34" charset="0"/>
+                      </a:endParaRPr>
+                    </a:p>
+                  </a:txBody>
+                  <a:tcPr marL="6207" marR="6207" marT="6207" marB="0" anchor="b"/>
+                </a:tc>
+                <a:tc>
+                  <a:txBody>
+                    <a:bodyPr/>
+                    <a:lstStyle/>
+                    <a:p>
+                      <a:pPr algn="l" fontAlgn="b"/>
+                      <a:r>
+                        <a:rPr lang="de-DE" sz="700" u="none" strike="noStrike">
+                          <a:effectLst/>
+                        </a:rPr>
+                        <a:t>ich einen besseren Überblick bekomme</a:t>
+                      </a:r>
+                      <a:endParaRPr lang="de-DE" sz="700" b="0" i="0" u="none" strike="noStrike">
+                        <a:solidFill>
+                          <a:srgbClr val="000000"/>
+                        </a:solidFill>
+                        <a:effectLst/>
+                        <a:latin typeface="Calibri" panose="020F0502020204030204" pitchFamily="34" charset="0"/>
+                      </a:endParaRPr>
+                    </a:p>
+                  </a:txBody>
+                  <a:tcPr marL="6207" marR="6207" marT="6207" marB="0" anchor="b"/>
+                </a:tc>
+              </a:tr>
+              <a:tr h="124130">
+                <a:tc>
+                  <a:txBody>
+                    <a:bodyPr/>
+                    <a:lstStyle/>
+                    <a:p>
+                      <a:pPr algn="l" fontAlgn="b"/>
+                      <a:r>
+                        <a:rPr lang="de-DE" sz="700" u="none" strike="noStrike">
+                          <a:effectLst/>
+                        </a:rPr>
+                        <a:t>Benutzer</a:t>
+                      </a:r>
+                      <a:endParaRPr lang="de-DE" sz="700" b="0" i="0" u="none" strike="noStrike">
+                        <a:solidFill>
+                          <a:srgbClr val="000000"/>
+                        </a:solidFill>
+                        <a:effectLst/>
+                        <a:latin typeface="Calibri" panose="020F0502020204030204" pitchFamily="34" charset="0"/>
+                      </a:endParaRPr>
+                    </a:p>
+                  </a:txBody>
+                  <a:tcPr marL="6207" marR="6207" marT="6207" marB="0" anchor="b"/>
+                </a:tc>
+                <a:tc>
+                  <a:txBody>
+                    <a:bodyPr/>
+                    <a:lstStyle/>
+                    <a:p>
+                      <a:pPr algn="l" fontAlgn="b"/>
+                      <a:r>
+                        <a:rPr lang="de-DE" sz="700" u="none" strike="noStrike" dirty="0">
+                          <a:effectLst/>
+                        </a:rPr>
+                        <a:t>die Bestenliste durchsuchen können</a:t>
+                      </a:r>
+                      <a:endParaRPr lang="de-DE" sz="700" b="0" i="0" u="none" strike="noStrike" dirty="0">
+                        <a:solidFill>
+                          <a:srgbClr val="000000"/>
+                        </a:solidFill>
+                        <a:effectLst/>
+                        <a:latin typeface="Calibri" panose="020F0502020204030204" pitchFamily="34" charset="0"/>
+                      </a:endParaRPr>
+                    </a:p>
+                  </a:txBody>
+                  <a:tcPr marL="6207" marR="6207" marT="6207" marB="0" anchor="b"/>
+                </a:tc>
+                <a:tc>
+                  <a:txBody>
+                    <a:bodyPr/>
+                    <a:lstStyle/>
+                    <a:p>
+                      <a:pPr algn="l" fontAlgn="b"/>
+                      <a:r>
+                        <a:rPr lang="de-DE" sz="700" u="none" strike="noStrike">
+                          <a:effectLst/>
+                        </a:rPr>
+                        <a:t>ich schneller die Werte von bestimmten Personen finde</a:t>
+                      </a:r>
+                      <a:endParaRPr lang="de-DE" sz="700" b="0" i="0" u="none" strike="noStrike">
+                        <a:solidFill>
+                          <a:srgbClr val="000000"/>
+                        </a:solidFill>
+                        <a:effectLst/>
+                        <a:latin typeface="Calibri" panose="020F0502020204030204" pitchFamily="34" charset="0"/>
+                      </a:endParaRPr>
+                    </a:p>
+                  </a:txBody>
+                  <a:tcPr marL="6207" marR="6207" marT="6207" marB="0" anchor="b"/>
+                </a:tc>
+              </a:tr>
+              <a:tr h="124130">
+                <a:tc>
+                  <a:txBody>
+                    <a:bodyPr/>
+                    <a:lstStyle/>
+                    <a:p>
+                      <a:pPr algn="l" fontAlgn="b"/>
+                      <a:r>
+                        <a:rPr lang="de-DE" sz="700" u="none" strike="noStrike">
+                          <a:effectLst/>
+                        </a:rPr>
+                        <a:t>Benutzer</a:t>
+                      </a:r>
+                      <a:endParaRPr lang="de-DE" sz="700" b="0" i="0" u="none" strike="noStrike">
+                        <a:solidFill>
+                          <a:srgbClr val="000000"/>
+                        </a:solidFill>
+                        <a:effectLst/>
+                        <a:latin typeface="Calibri" panose="020F0502020204030204" pitchFamily="34" charset="0"/>
+                      </a:endParaRPr>
+                    </a:p>
+                  </a:txBody>
+                  <a:tcPr marL="6207" marR="6207" marT="6207" marB="0" anchor="b"/>
+                </a:tc>
+                <a:tc>
+                  <a:txBody>
+                    <a:bodyPr/>
+                    <a:lstStyle/>
+                    <a:p>
+                      <a:pPr algn="l" fontAlgn="b"/>
+                      <a:r>
+                        <a:rPr lang="de-DE" sz="700" u="none" strike="noStrike" dirty="0">
+                          <a:effectLst/>
+                        </a:rPr>
+                        <a:t>die Spielregeln einsehen können</a:t>
+                      </a:r>
+                      <a:endParaRPr lang="de-DE" sz="700" b="0" i="0" u="none" strike="noStrike" dirty="0">
+                        <a:solidFill>
+                          <a:srgbClr val="000000"/>
+                        </a:solidFill>
+                        <a:effectLst/>
+                        <a:latin typeface="Calibri" panose="020F0502020204030204" pitchFamily="34" charset="0"/>
+                      </a:endParaRPr>
+                    </a:p>
+                  </a:txBody>
+                  <a:tcPr marL="6207" marR="6207" marT="6207" marB="0" anchor="b"/>
+                </a:tc>
+                <a:tc>
+                  <a:txBody>
+                    <a:bodyPr/>
+                    <a:lstStyle/>
+                    <a:p>
+                      <a:pPr algn="l" fontAlgn="b"/>
+                      <a:r>
+                        <a:rPr lang="de-DE" sz="700" u="none" strike="noStrike">
+                          <a:effectLst/>
+                        </a:rPr>
+                        <a:t>ich weiß, wie  das System funktioniert</a:t>
+                      </a:r>
+                      <a:endParaRPr lang="de-DE" sz="700" b="0" i="0" u="none" strike="noStrike">
+                        <a:solidFill>
+                          <a:srgbClr val="000000"/>
+                        </a:solidFill>
+                        <a:effectLst/>
+                        <a:latin typeface="Calibri" panose="020F0502020204030204" pitchFamily="34" charset="0"/>
+                      </a:endParaRPr>
+                    </a:p>
+                  </a:txBody>
+                  <a:tcPr marL="6207" marR="6207" marT="6207" marB="0" anchor="b"/>
+                </a:tc>
+              </a:tr>
+              <a:tr h="124130">
+                <a:tc>
+                  <a:txBody>
+                    <a:bodyPr/>
+                    <a:lstStyle/>
+                    <a:p>
+                      <a:pPr algn="l" fontAlgn="b"/>
+                      <a:r>
+                        <a:rPr lang="de-DE" sz="700" u="none" strike="noStrike">
+                          <a:effectLst/>
+                        </a:rPr>
+                        <a:t>Benutzer</a:t>
+                      </a:r>
+                      <a:endParaRPr lang="de-DE" sz="700" b="0" i="0" u="none" strike="noStrike">
+                        <a:solidFill>
+                          <a:srgbClr val="000000"/>
+                        </a:solidFill>
+                        <a:effectLst/>
+                        <a:latin typeface="Calibri" panose="020F0502020204030204" pitchFamily="34" charset="0"/>
+                      </a:endParaRPr>
+                    </a:p>
+                  </a:txBody>
+                  <a:tcPr marL="6207" marR="6207" marT="6207" marB="0" anchor="b"/>
+                </a:tc>
+                <a:tc>
+                  <a:txBody>
+                    <a:bodyPr/>
+                    <a:lstStyle/>
+                    <a:p>
+                      <a:pPr algn="l" fontAlgn="b"/>
+                      <a:r>
+                        <a:rPr lang="de-DE" sz="700" u="none" strike="noStrike" dirty="0">
+                          <a:effectLst/>
+                        </a:rPr>
+                        <a:t>Profile einsehen können</a:t>
+                      </a:r>
+                      <a:endParaRPr lang="de-DE" sz="700" b="0" i="0" u="none" strike="noStrike" dirty="0">
+                        <a:solidFill>
+                          <a:srgbClr val="000000"/>
+                        </a:solidFill>
+                        <a:effectLst/>
+                        <a:latin typeface="Calibri" panose="020F0502020204030204" pitchFamily="34" charset="0"/>
+                      </a:endParaRPr>
+                    </a:p>
+                  </a:txBody>
+                  <a:tcPr marL="6207" marR="6207" marT="6207" marB="0" anchor="b"/>
+                </a:tc>
+                <a:tc>
+                  <a:txBody>
+                    <a:bodyPr/>
+                    <a:lstStyle/>
+                    <a:p>
+                      <a:pPr algn="l" fontAlgn="b"/>
+                      <a:r>
+                        <a:rPr lang="de-DE" sz="700" u="none" strike="noStrike">
+                          <a:effectLst/>
+                        </a:rPr>
+                        <a:t>ich mich über einen Spieler informieren kann</a:t>
+                      </a:r>
+                      <a:endParaRPr lang="de-DE" sz="700" b="0" i="0" u="none" strike="noStrike">
+                        <a:solidFill>
+                          <a:srgbClr val="000000"/>
+                        </a:solidFill>
+                        <a:effectLst/>
+                        <a:latin typeface="Calibri" panose="020F0502020204030204" pitchFamily="34" charset="0"/>
+                      </a:endParaRPr>
+                    </a:p>
+                  </a:txBody>
+                  <a:tcPr marL="6207" marR="6207" marT="6207" marB="0" anchor="b"/>
+                </a:tc>
+              </a:tr>
+              <a:tr h="124130">
+                <a:tc>
+                  <a:txBody>
+                    <a:bodyPr/>
+                    <a:lstStyle/>
+                    <a:p>
+                      <a:pPr algn="l" fontAlgn="b"/>
+                      <a:r>
+                        <a:rPr lang="de-DE" sz="700" u="none" strike="noStrike">
+                          <a:effectLst/>
+                        </a:rPr>
+                        <a:t>Benutzer</a:t>
+                      </a:r>
+                      <a:endParaRPr lang="de-DE" sz="700" b="0" i="0" u="none" strike="noStrike">
+                        <a:solidFill>
+                          <a:srgbClr val="000000"/>
+                        </a:solidFill>
+                        <a:effectLst/>
+                        <a:latin typeface="Calibri" panose="020F0502020204030204" pitchFamily="34" charset="0"/>
+                      </a:endParaRPr>
+                    </a:p>
+                  </a:txBody>
+                  <a:tcPr marL="6207" marR="6207" marT="6207" marB="0" anchor="b"/>
+                </a:tc>
+                <a:tc>
+                  <a:txBody>
+                    <a:bodyPr/>
+                    <a:lstStyle/>
+                    <a:p>
+                      <a:pPr algn="l" fontAlgn="b"/>
+                      <a:r>
+                        <a:rPr lang="de-DE" sz="700" u="none" strike="noStrike" dirty="0">
+                          <a:effectLst/>
+                        </a:rPr>
+                        <a:t>ein Profil suchen können</a:t>
+                      </a:r>
+                      <a:endParaRPr lang="de-DE" sz="700" b="0" i="0" u="none" strike="noStrike" dirty="0">
+                        <a:solidFill>
+                          <a:srgbClr val="000000"/>
+                        </a:solidFill>
+                        <a:effectLst/>
+                        <a:latin typeface="Calibri" panose="020F0502020204030204" pitchFamily="34" charset="0"/>
+                      </a:endParaRPr>
+                    </a:p>
+                  </a:txBody>
+                  <a:tcPr marL="6207" marR="6207" marT="6207" marB="0" anchor="b"/>
+                </a:tc>
+                <a:tc>
+                  <a:txBody>
+                    <a:bodyPr/>
+                    <a:lstStyle/>
+                    <a:p>
+                      <a:pPr algn="l" fontAlgn="b"/>
+                      <a:r>
+                        <a:rPr lang="de-DE" sz="700" u="none" strike="noStrike">
+                          <a:effectLst/>
+                        </a:rPr>
+                        <a:t>ich schneller ein Profil erreichen kann</a:t>
+                      </a:r>
+                      <a:endParaRPr lang="de-DE" sz="700" b="0" i="0" u="none" strike="noStrike">
+                        <a:solidFill>
+                          <a:srgbClr val="000000"/>
+                        </a:solidFill>
+                        <a:effectLst/>
+                        <a:latin typeface="Calibri" panose="020F0502020204030204" pitchFamily="34" charset="0"/>
+                      </a:endParaRPr>
+                    </a:p>
+                  </a:txBody>
+                  <a:tcPr marL="6207" marR="6207" marT="6207" marB="0" anchor="b"/>
+                </a:tc>
+              </a:tr>
+              <a:tr h="124130">
+                <a:tc>
+                  <a:txBody>
+                    <a:bodyPr/>
+                    <a:lstStyle/>
+                    <a:p>
+                      <a:pPr algn="l" fontAlgn="b"/>
+                      <a:r>
+                        <a:rPr lang="de-DE" sz="700" u="none" strike="noStrike">
+                          <a:effectLst/>
+                        </a:rPr>
+                        <a:t>Benutzer</a:t>
+                      </a:r>
+                      <a:endParaRPr lang="de-DE" sz="700" b="0" i="0" u="none" strike="noStrike">
+                        <a:solidFill>
+                          <a:srgbClr val="000000"/>
+                        </a:solidFill>
+                        <a:effectLst/>
+                        <a:latin typeface="Calibri" panose="020F0502020204030204" pitchFamily="34" charset="0"/>
+                      </a:endParaRPr>
+                    </a:p>
+                  </a:txBody>
+                  <a:tcPr marL="6207" marR="6207" marT="6207" marB="0" anchor="b"/>
+                </a:tc>
+                <a:tc>
+                  <a:txBody>
+                    <a:bodyPr/>
+                    <a:lstStyle/>
+                    <a:p>
+                      <a:pPr algn="l" fontAlgn="b"/>
+                      <a:r>
+                        <a:rPr lang="de-DE" sz="700" u="none" strike="noStrike" dirty="0">
+                          <a:effectLst/>
+                        </a:rPr>
+                        <a:t>ein Profil mit meinem eigenen Profil vergleichen können</a:t>
+                      </a:r>
+                      <a:endParaRPr lang="de-DE" sz="700" b="0" i="0" u="none" strike="noStrike" dirty="0">
+                        <a:solidFill>
+                          <a:srgbClr val="000000"/>
+                        </a:solidFill>
+                        <a:effectLst/>
+                        <a:latin typeface="Calibri" panose="020F0502020204030204" pitchFamily="34" charset="0"/>
+                      </a:endParaRPr>
+                    </a:p>
+                  </a:txBody>
+                  <a:tcPr marL="6207" marR="6207" marT="6207" marB="0" anchor="b"/>
+                </a:tc>
+                <a:tc>
+                  <a:txBody>
+                    <a:bodyPr/>
+                    <a:lstStyle/>
+                    <a:p>
+                      <a:pPr algn="l" fontAlgn="b"/>
+                      <a:r>
+                        <a:rPr lang="de-DE" sz="700" u="none" strike="noStrike">
+                          <a:effectLst/>
+                        </a:rPr>
+                        <a:t>ich mich mit anderen Spielern messen kann</a:t>
+                      </a:r>
+                      <a:endParaRPr lang="de-DE" sz="700" b="0" i="0" u="none" strike="noStrike">
+                        <a:solidFill>
+                          <a:srgbClr val="000000"/>
+                        </a:solidFill>
+                        <a:effectLst/>
+                        <a:latin typeface="Calibri" panose="020F0502020204030204" pitchFamily="34" charset="0"/>
+                      </a:endParaRPr>
+                    </a:p>
+                  </a:txBody>
+                  <a:tcPr marL="6207" marR="6207" marT="6207" marB="0" anchor="b"/>
+                </a:tc>
+              </a:tr>
+              <a:tr h="124130">
+                <a:tc>
+                  <a:txBody>
+                    <a:bodyPr/>
+                    <a:lstStyle/>
+                    <a:p>
+                      <a:pPr algn="l" fontAlgn="b"/>
+                      <a:r>
+                        <a:rPr lang="de-DE" sz="700" u="none" strike="noStrike">
+                          <a:effectLst/>
+                        </a:rPr>
+                        <a:t>Benutzer</a:t>
+                      </a:r>
+                      <a:endParaRPr lang="de-DE" sz="700" b="0" i="0" u="none" strike="noStrike">
+                        <a:solidFill>
+                          <a:srgbClr val="000000"/>
+                        </a:solidFill>
+                        <a:effectLst/>
+                        <a:latin typeface="Calibri" panose="020F0502020204030204" pitchFamily="34" charset="0"/>
+                      </a:endParaRPr>
+                    </a:p>
+                  </a:txBody>
+                  <a:tcPr marL="6207" marR="6207" marT="6207" marB="0" anchor="b"/>
+                </a:tc>
+                <a:tc>
+                  <a:txBody>
+                    <a:bodyPr/>
+                    <a:lstStyle/>
+                    <a:p>
+                      <a:pPr algn="l" fontAlgn="b"/>
+                      <a:r>
+                        <a:rPr lang="de-DE" sz="700" u="none" strike="noStrike">
+                          <a:effectLst/>
+                        </a:rPr>
+                        <a:t>eigenes Profil bearbeiten</a:t>
+                      </a:r>
+                      <a:endParaRPr lang="de-DE" sz="700" b="0" i="0" u="none" strike="noStrike">
+                        <a:solidFill>
+                          <a:srgbClr val="000000"/>
+                        </a:solidFill>
+                        <a:effectLst/>
+                        <a:latin typeface="Calibri" panose="020F0502020204030204" pitchFamily="34" charset="0"/>
+                      </a:endParaRPr>
+                    </a:p>
+                  </a:txBody>
+                  <a:tcPr marL="6207" marR="6207" marT="6207" marB="0" anchor="b"/>
+                </a:tc>
+                <a:tc>
+                  <a:txBody>
+                    <a:bodyPr/>
+                    <a:lstStyle/>
+                    <a:p>
+                      <a:pPr algn="l" fontAlgn="b"/>
+                      <a:r>
+                        <a:rPr lang="de-DE" sz="700" u="none" strike="noStrike">
+                          <a:effectLst/>
+                        </a:rPr>
+                        <a:t>ich eine indivualität des eigenen Profils</a:t>
+                      </a:r>
+                      <a:endParaRPr lang="de-DE" sz="700" b="0" i="0" u="none" strike="noStrike">
+                        <a:solidFill>
+                          <a:srgbClr val="000000"/>
+                        </a:solidFill>
+                        <a:effectLst/>
+                        <a:latin typeface="Calibri" panose="020F0502020204030204" pitchFamily="34" charset="0"/>
+                      </a:endParaRPr>
+                    </a:p>
+                  </a:txBody>
+                  <a:tcPr marL="6207" marR="6207" marT="6207" marB="0" anchor="b"/>
+                </a:tc>
+              </a:tr>
+              <a:tr h="124130">
+                <a:tc>
+                  <a:txBody>
+                    <a:bodyPr/>
+                    <a:lstStyle/>
+                    <a:p>
+                      <a:pPr algn="l" fontAlgn="b"/>
+                      <a:r>
+                        <a:rPr lang="de-DE" sz="700" u="none" strike="noStrike">
+                          <a:effectLst/>
+                        </a:rPr>
+                        <a:t>Benutzer</a:t>
+                      </a:r>
+                      <a:endParaRPr lang="de-DE" sz="700" b="0" i="0" u="none" strike="noStrike">
+                        <a:solidFill>
+                          <a:srgbClr val="000000"/>
+                        </a:solidFill>
+                        <a:effectLst/>
+                        <a:latin typeface="Calibri" panose="020F0502020204030204" pitchFamily="34" charset="0"/>
+                      </a:endParaRPr>
+                    </a:p>
+                  </a:txBody>
+                  <a:tcPr marL="6207" marR="6207" marT="6207" marB="0" anchor="b"/>
+                </a:tc>
+                <a:tc>
+                  <a:txBody>
+                    <a:bodyPr/>
+                    <a:lstStyle/>
+                    <a:p>
+                      <a:pPr algn="l" fontAlgn="b"/>
+                      <a:r>
+                        <a:rPr lang="de-DE" sz="700" u="none" strike="noStrike">
+                          <a:effectLst/>
+                        </a:rPr>
+                        <a:t>Trophäen freischalten können</a:t>
+                      </a:r>
+                      <a:endParaRPr lang="de-DE" sz="700" b="0" i="0" u="none" strike="noStrike">
+                        <a:solidFill>
+                          <a:srgbClr val="000000"/>
+                        </a:solidFill>
+                        <a:effectLst/>
+                        <a:latin typeface="Calibri" panose="020F0502020204030204" pitchFamily="34" charset="0"/>
+                      </a:endParaRPr>
+                    </a:p>
+                  </a:txBody>
+                  <a:tcPr marL="6207" marR="6207" marT="6207" marB="0" anchor="b"/>
+                </a:tc>
+                <a:tc>
+                  <a:txBody>
+                    <a:bodyPr/>
+                    <a:lstStyle/>
+                    <a:p>
+                      <a:pPr algn="l" fontAlgn="b"/>
+                      <a:r>
+                        <a:rPr lang="de-DE" sz="700" u="none" strike="noStrike">
+                          <a:effectLst/>
+                        </a:rPr>
+                        <a:t>ich meine Erfolge zeigen kann</a:t>
+                      </a:r>
+                      <a:endParaRPr lang="de-DE" sz="700" b="0" i="0" u="none" strike="noStrike">
+                        <a:solidFill>
+                          <a:srgbClr val="000000"/>
+                        </a:solidFill>
+                        <a:effectLst/>
+                        <a:latin typeface="Calibri" panose="020F0502020204030204" pitchFamily="34" charset="0"/>
+                      </a:endParaRPr>
+                    </a:p>
+                  </a:txBody>
+                  <a:tcPr marL="6207" marR="6207" marT="6207" marB="0" anchor="b"/>
+                </a:tc>
+              </a:tr>
+              <a:tr h="124130">
+                <a:tc>
+                  <a:txBody>
+                    <a:bodyPr/>
+                    <a:lstStyle/>
+                    <a:p>
+                      <a:pPr algn="l" fontAlgn="b"/>
+                      <a:r>
+                        <a:rPr lang="de-DE" sz="700" u="none" strike="noStrike">
+                          <a:effectLst/>
+                        </a:rPr>
+                        <a:t>Benutzer</a:t>
+                      </a:r>
+                      <a:endParaRPr lang="de-DE" sz="700" b="0" i="0" u="none" strike="noStrike">
+                        <a:solidFill>
+                          <a:srgbClr val="000000"/>
+                        </a:solidFill>
+                        <a:effectLst/>
+                        <a:latin typeface="Calibri" panose="020F0502020204030204" pitchFamily="34" charset="0"/>
+                      </a:endParaRPr>
+                    </a:p>
+                  </a:txBody>
+                  <a:tcPr marL="6207" marR="6207" marT="6207" marB="0" anchor="b"/>
+                </a:tc>
+                <a:tc>
+                  <a:txBody>
+                    <a:bodyPr/>
+                    <a:lstStyle/>
+                    <a:p>
+                      <a:pPr algn="l" fontAlgn="b"/>
+                      <a:r>
+                        <a:rPr lang="de-DE" sz="700" u="none" strike="noStrike">
+                          <a:effectLst/>
+                        </a:rPr>
+                        <a:t>Titel freischalten können</a:t>
+                      </a:r>
+                      <a:endParaRPr lang="de-DE" sz="700" b="0" i="0" u="none" strike="noStrike">
+                        <a:solidFill>
+                          <a:srgbClr val="000000"/>
+                        </a:solidFill>
+                        <a:effectLst/>
+                        <a:latin typeface="Calibri" panose="020F0502020204030204" pitchFamily="34" charset="0"/>
+                      </a:endParaRPr>
+                    </a:p>
+                  </a:txBody>
+                  <a:tcPr marL="6207" marR="6207" marT="6207" marB="0" anchor="b"/>
+                </a:tc>
+                <a:tc>
+                  <a:txBody>
+                    <a:bodyPr/>
+                    <a:lstStyle/>
+                    <a:p>
+                      <a:pPr algn="l" fontAlgn="b"/>
+                      <a:r>
+                        <a:rPr lang="de-DE" sz="700" u="none" strike="noStrike">
+                          <a:effectLst/>
+                        </a:rPr>
+                        <a:t>ich meine Erfolge zeigen kann </a:t>
+                      </a:r>
+                      <a:endParaRPr lang="de-DE" sz="700" b="0" i="0" u="none" strike="noStrike">
+                        <a:solidFill>
+                          <a:srgbClr val="000000"/>
+                        </a:solidFill>
+                        <a:effectLst/>
+                        <a:latin typeface="Calibri" panose="020F0502020204030204" pitchFamily="34" charset="0"/>
+                      </a:endParaRPr>
+                    </a:p>
+                  </a:txBody>
+                  <a:tcPr marL="6207" marR="6207" marT="6207" marB="0" anchor="b"/>
+                </a:tc>
+              </a:tr>
+              <a:tr h="124130">
+                <a:tc>
+                  <a:txBody>
+                    <a:bodyPr/>
+                    <a:lstStyle/>
+                    <a:p>
+                      <a:pPr algn="l" fontAlgn="b"/>
+                      <a:r>
+                        <a:rPr lang="de-DE" sz="700" u="none" strike="noStrike">
+                          <a:effectLst/>
+                        </a:rPr>
+                        <a:t>Benutzer</a:t>
+                      </a:r>
+                      <a:endParaRPr lang="de-DE" sz="700" b="0" i="0" u="none" strike="noStrike">
+                        <a:solidFill>
+                          <a:srgbClr val="000000"/>
+                        </a:solidFill>
+                        <a:effectLst/>
+                        <a:latin typeface="Calibri" panose="020F0502020204030204" pitchFamily="34" charset="0"/>
+                      </a:endParaRPr>
+                    </a:p>
+                  </a:txBody>
+                  <a:tcPr marL="6207" marR="6207" marT="6207" marB="0" anchor="b"/>
+                </a:tc>
+                <a:tc>
+                  <a:txBody>
+                    <a:bodyPr/>
+                    <a:lstStyle/>
+                    <a:p>
+                      <a:pPr algn="l" fontAlgn="b"/>
+                      <a:r>
+                        <a:rPr lang="de-DE" sz="700" u="none" strike="noStrike">
+                          <a:effectLst/>
+                        </a:rPr>
+                        <a:t>einen Newsfeed einsehen können</a:t>
+                      </a:r>
+                      <a:endParaRPr lang="de-DE" sz="700" b="0" i="0" u="none" strike="noStrike">
+                        <a:solidFill>
+                          <a:srgbClr val="000000"/>
+                        </a:solidFill>
+                        <a:effectLst/>
+                        <a:latin typeface="Calibri" panose="020F0502020204030204" pitchFamily="34" charset="0"/>
+                      </a:endParaRPr>
+                    </a:p>
+                  </a:txBody>
+                  <a:tcPr marL="6207" marR="6207" marT="6207" marB="0" anchor="b"/>
+                </a:tc>
+                <a:tc>
+                  <a:txBody>
+                    <a:bodyPr/>
+                    <a:lstStyle/>
+                    <a:p>
+                      <a:pPr algn="l" fontAlgn="b"/>
+                      <a:r>
+                        <a:rPr lang="de-DE" sz="700" u="none" strike="noStrike">
+                          <a:effectLst/>
+                        </a:rPr>
+                        <a:t>ich immer informiert bin</a:t>
+                      </a:r>
+                      <a:endParaRPr lang="de-DE" sz="700" b="0" i="0" u="none" strike="noStrike">
+                        <a:solidFill>
+                          <a:srgbClr val="000000"/>
+                        </a:solidFill>
+                        <a:effectLst/>
+                        <a:latin typeface="Calibri" panose="020F0502020204030204" pitchFamily="34" charset="0"/>
+                      </a:endParaRPr>
+                    </a:p>
+                  </a:txBody>
+                  <a:tcPr marL="6207" marR="6207" marT="6207" marB="0" anchor="b"/>
+                </a:tc>
+              </a:tr>
+              <a:tr h="124130">
+                <a:tc>
+                  <a:txBody>
+                    <a:bodyPr/>
+                    <a:lstStyle/>
+                    <a:p>
+                      <a:pPr algn="l" fontAlgn="b"/>
+                      <a:r>
+                        <a:rPr lang="de-DE" sz="700" u="none" strike="noStrike">
+                          <a:effectLst/>
+                        </a:rPr>
+                        <a:t>Admin</a:t>
+                      </a:r>
+                      <a:endParaRPr lang="de-DE" sz="700" b="0" i="0" u="none" strike="noStrike">
+                        <a:solidFill>
+                          <a:srgbClr val="000000"/>
+                        </a:solidFill>
+                        <a:effectLst/>
+                        <a:latin typeface="Calibri" panose="020F0502020204030204" pitchFamily="34" charset="0"/>
+                      </a:endParaRPr>
+                    </a:p>
+                  </a:txBody>
+                  <a:tcPr marL="6207" marR="6207" marT="6207" marB="0" anchor="b"/>
+                </a:tc>
+                <a:tc>
+                  <a:txBody>
+                    <a:bodyPr/>
+                    <a:lstStyle/>
+                    <a:p>
+                      <a:pPr algn="l" fontAlgn="b"/>
+                      <a:r>
+                        <a:rPr lang="de-DE" sz="700" u="none" strike="noStrike">
+                          <a:effectLst/>
+                        </a:rPr>
+                        <a:t>Zugriff auf die Adminoberfläche haben</a:t>
+                      </a:r>
+                      <a:endParaRPr lang="de-DE" sz="700" b="0" i="0" u="none" strike="noStrike">
+                        <a:solidFill>
+                          <a:srgbClr val="000000"/>
+                        </a:solidFill>
+                        <a:effectLst/>
+                        <a:latin typeface="Calibri" panose="020F0502020204030204" pitchFamily="34" charset="0"/>
+                      </a:endParaRPr>
+                    </a:p>
+                  </a:txBody>
+                  <a:tcPr marL="6207" marR="6207" marT="6207" marB="0" anchor="b"/>
+                </a:tc>
+                <a:tc>
+                  <a:txBody>
+                    <a:bodyPr/>
+                    <a:lstStyle/>
+                    <a:p>
+                      <a:pPr algn="l" fontAlgn="b"/>
+                      <a:r>
+                        <a:rPr lang="de-DE" sz="700" u="none" strike="noStrike">
+                          <a:effectLst/>
+                        </a:rPr>
+                        <a:t>ich auf Zugriff auf Admin-Funktionen habe</a:t>
+                      </a:r>
+                      <a:endParaRPr lang="de-DE" sz="700" b="0" i="0" u="none" strike="noStrike">
+                        <a:solidFill>
+                          <a:srgbClr val="000000"/>
+                        </a:solidFill>
+                        <a:effectLst/>
+                        <a:latin typeface="Calibri" panose="020F0502020204030204" pitchFamily="34" charset="0"/>
+                      </a:endParaRPr>
+                    </a:p>
+                  </a:txBody>
+                  <a:tcPr marL="6207" marR="6207" marT="6207" marB="0" anchor="b"/>
+                </a:tc>
+              </a:tr>
+              <a:tr h="124130">
+                <a:tc>
+                  <a:txBody>
+                    <a:bodyPr/>
+                    <a:lstStyle/>
+                    <a:p>
+                      <a:pPr algn="l" fontAlgn="b"/>
+                      <a:r>
+                        <a:rPr lang="de-DE" sz="700" u="none" strike="noStrike">
+                          <a:effectLst/>
+                        </a:rPr>
+                        <a:t>Admin</a:t>
+                      </a:r>
+                      <a:endParaRPr lang="de-DE" sz="700" b="0" i="0" u="none" strike="noStrike">
+                        <a:solidFill>
+                          <a:srgbClr val="000000"/>
+                        </a:solidFill>
+                        <a:effectLst/>
+                        <a:latin typeface="Calibri" panose="020F0502020204030204" pitchFamily="34" charset="0"/>
+                      </a:endParaRPr>
+                    </a:p>
+                  </a:txBody>
+                  <a:tcPr marL="6207" marR="6207" marT="6207" marB="0" anchor="b"/>
+                </a:tc>
+                <a:tc>
+                  <a:txBody>
+                    <a:bodyPr/>
+                    <a:lstStyle/>
+                    <a:p>
+                      <a:pPr algn="l" fontAlgn="b"/>
+                      <a:r>
+                        <a:rPr lang="de-DE" sz="700" u="none" strike="noStrike">
+                          <a:effectLst/>
+                        </a:rPr>
+                        <a:t>eine Neuigkeit veröffentlichen</a:t>
+                      </a:r>
+                      <a:endParaRPr lang="de-DE" sz="700" b="0" i="0" u="none" strike="noStrike">
+                        <a:solidFill>
+                          <a:srgbClr val="000000"/>
+                        </a:solidFill>
+                        <a:effectLst/>
+                        <a:latin typeface="Calibri" panose="020F0502020204030204" pitchFamily="34" charset="0"/>
+                      </a:endParaRPr>
+                    </a:p>
+                  </a:txBody>
+                  <a:tcPr marL="6207" marR="6207" marT="6207" marB="0" anchor="b"/>
+                </a:tc>
+                <a:tc>
+                  <a:txBody>
+                    <a:bodyPr/>
+                    <a:lstStyle/>
+                    <a:p>
+                      <a:pPr algn="l" fontAlgn="b"/>
+                      <a:r>
+                        <a:rPr lang="de-DE" sz="700" u="none" strike="noStrike">
+                          <a:effectLst/>
+                        </a:rPr>
+                        <a:t>ich anderen allgemeine Informationen geben kann</a:t>
+                      </a:r>
+                      <a:endParaRPr lang="de-DE" sz="700" b="0" i="0" u="none" strike="noStrike">
+                        <a:solidFill>
+                          <a:srgbClr val="000000"/>
+                        </a:solidFill>
+                        <a:effectLst/>
+                        <a:latin typeface="Calibri" panose="020F0502020204030204" pitchFamily="34" charset="0"/>
+                      </a:endParaRPr>
+                    </a:p>
+                  </a:txBody>
+                  <a:tcPr marL="6207" marR="6207" marT="6207" marB="0" anchor="b"/>
+                </a:tc>
+              </a:tr>
+              <a:tr h="124130">
+                <a:tc>
+                  <a:txBody>
+                    <a:bodyPr/>
+                    <a:lstStyle/>
+                    <a:p>
+                      <a:pPr algn="l" fontAlgn="b"/>
+                      <a:r>
+                        <a:rPr lang="de-DE" sz="700" u="none" strike="noStrike">
+                          <a:effectLst/>
+                        </a:rPr>
+                        <a:t>Admin</a:t>
+                      </a:r>
+                      <a:endParaRPr lang="de-DE" sz="700" b="0" i="0" u="none" strike="noStrike">
+                        <a:solidFill>
+                          <a:srgbClr val="000000"/>
+                        </a:solidFill>
+                        <a:effectLst/>
+                        <a:latin typeface="Calibri" panose="020F0502020204030204" pitchFamily="34" charset="0"/>
+                      </a:endParaRPr>
+                    </a:p>
+                  </a:txBody>
+                  <a:tcPr marL="6207" marR="6207" marT="6207" marB="0" anchor="b"/>
+                </a:tc>
+                <a:tc>
+                  <a:txBody>
+                    <a:bodyPr/>
+                    <a:lstStyle/>
+                    <a:p>
+                      <a:pPr algn="l" fontAlgn="b"/>
+                      <a:r>
+                        <a:rPr lang="de-DE" sz="700" u="none" strike="noStrike" dirty="0">
+                          <a:effectLst/>
+                        </a:rPr>
+                        <a:t>kann Sondertippfälle anlegen</a:t>
+                      </a:r>
+                      <a:endParaRPr lang="de-DE" sz="700" b="0" i="0" u="none" strike="noStrike" dirty="0">
+                        <a:solidFill>
+                          <a:srgbClr val="000000"/>
+                        </a:solidFill>
+                        <a:effectLst/>
+                        <a:latin typeface="Calibri" panose="020F0502020204030204" pitchFamily="34" charset="0"/>
+                      </a:endParaRPr>
+                    </a:p>
+                  </a:txBody>
+                  <a:tcPr marL="6207" marR="6207" marT="6207" marB="0" anchor="b"/>
+                </a:tc>
+                <a:tc>
+                  <a:txBody>
+                    <a:bodyPr/>
+                    <a:lstStyle/>
+                    <a:p>
+                      <a:pPr algn="l" fontAlgn="b"/>
+                      <a:r>
+                        <a:rPr lang="de-DE" sz="700" u="none" strike="noStrike">
+                          <a:effectLst/>
+                        </a:rPr>
+                        <a:t>ich auf zusätzliche Inhalte anbieten kann</a:t>
+                      </a:r>
+                      <a:endParaRPr lang="de-DE" sz="700" b="0" i="0" u="none" strike="noStrike">
+                        <a:solidFill>
+                          <a:srgbClr val="000000"/>
+                        </a:solidFill>
+                        <a:effectLst/>
+                        <a:latin typeface="Calibri" panose="020F0502020204030204" pitchFamily="34" charset="0"/>
+                      </a:endParaRPr>
+                    </a:p>
+                  </a:txBody>
+                  <a:tcPr marL="6207" marR="6207" marT="6207" marB="0" anchor="b"/>
+                </a:tc>
+              </a:tr>
+              <a:tr h="124130">
+                <a:tc>
+                  <a:txBody>
+                    <a:bodyPr/>
+                    <a:lstStyle/>
+                    <a:p>
+                      <a:pPr algn="l" fontAlgn="b"/>
+                      <a:r>
+                        <a:rPr lang="de-DE" sz="700" u="none" strike="noStrike">
+                          <a:effectLst/>
+                        </a:rPr>
+                        <a:t>Admin</a:t>
+                      </a:r>
+                      <a:endParaRPr lang="de-DE" sz="700" b="0" i="0" u="none" strike="noStrike">
+                        <a:solidFill>
+                          <a:srgbClr val="000000"/>
+                        </a:solidFill>
+                        <a:effectLst/>
+                        <a:latin typeface="Calibri" panose="020F0502020204030204" pitchFamily="34" charset="0"/>
+                      </a:endParaRPr>
+                    </a:p>
+                  </a:txBody>
+                  <a:tcPr marL="6207" marR="6207" marT="6207" marB="0" anchor="b"/>
+                </a:tc>
+                <a:tc>
+                  <a:txBody>
+                    <a:bodyPr/>
+                    <a:lstStyle/>
+                    <a:p>
+                      <a:pPr algn="l" fontAlgn="b"/>
+                      <a:r>
+                        <a:rPr lang="de-DE" sz="700" u="none" strike="noStrike" dirty="0">
+                          <a:effectLst/>
+                        </a:rPr>
+                        <a:t>einen Nutzer löschen können</a:t>
+                      </a:r>
+                      <a:endParaRPr lang="de-DE" sz="700" b="0" i="0" u="none" strike="noStrike" dirty="0">
+                        <a:solidFill>
+                          <a:srgbClr val="000000"/>
+                        </a:solidFill>
+                        <a:effectLst/>
+                        <a:latin typeface="Calibri" panose="020F0502020204030204" pitchFamily="34" charset="0"/>
+                      </a:endParaRPr>
+                    </a:p>
+                  </a:txBody>
+                  <a:tcPr marL="6207" marR="6207" marT="6207" marB="0" anchor="b"/>
+                </a:tc>
+                <a:tc>
+                  <a:txBody>
+                    <a:bodyPr/>
+                    <a:lstStyle/>
+                    <a:p>
+                      <a:pPr algn="l" fontAlgn="b"/>
+                      <a:r>
+                        <a:rPr lang="de-DE" sz="700" u="none" strike="noStrike" dirty="0">
+                          <a:effectLst/>
+                        </a:rPr>
+                        <a:t>er nicht mehr im System sitzt</a:t>
+                      </a:r>
+                      <a:endParaRPr lang="de-DE" sz="700" b="0" i="0" u="none" strike="noStrike" dirty="0">
+                        <a:solidFill>
+                          <a:srgbClr val="000000"/>
+                        </a:solidFill>
+                        <a:effectLst/>
+                        <a:latin typeface="Calibri" panose="020F0502020204030204" pitchFamily="34" charset="0"/>
+                      </a:endParaRPr>
+                    </a:p>
+                  </a:txBody>
+                  <a:tcPr marL="6207" marR="6207" marT="6207" marB="0" anchor="b"/>
+                </a:tc>
+              </a:tr>
+            </a:tbl>
+          </a:graphicData>
+        </a:graphic>
+      </p:graphicFrame>
     </p:spTree>
     <p:extLst>
       <p:ext uri="{BB962C8B-B14F-4D97-AF65-F5344CB8AC3E}">
@@ -4324,43 +6624,72 @@
               <a:rPr lang="de-DE" dirty="0" smtClean="0"/>
               <a:t>Projektdurchführung</a:t>
             </a:r>
+            <a:br>
+              <a:rPr lang="de-DE" dirty="0" smtClean="0"/>
+            </a:br>
+            <a:r>
+              <a:rPr lang="de-DE" sz="2400" dirty="0" smtClean="0"/>
+              <a:t>Sprint 1</a:t>
+            </a:r>
+            <a:endParaRPr lang="de-DE" sz="2400" dirty="0"/>
+          </a:p>
+        </p:txBody>
+      </p:sp>
+      <p:sp>
+        <p:nvSpPr>
+          <p:cNvPr id="3" name="Inhaltsplatzhalter 2"/>
+          <p:cNvSpPr>
+            <a:spLocks noGrp="1"/>
+          </p:cNvSpPr>
+          <p:nvPr>
+            <p:ph idx="1"/>
+          </p:nvPr>
+        </p:nvSpPr>
+        <p:spPr/>
+        <p:txBody>
+          <a:bodyPr/>
+          <a:lstStyle/>
+          <a:p>
+            <a:r>
+              <a:rPr lang="de-DE" dirty="0" smtClean="0"/>
+              <a:t>Probleme:</a:t>
+            </a:r>
+          </a:p>
+          <a:p>
+            <a:pPr lvl="1"/>
+            <a:r>
+              <a:rPr lang="de-DE" dirty="0" smtClean="0"/>
+              <a:t>Fehlende Hardware</a:t>
+            </a:r>
+          </a:p>
+          <a:p>
+            <a:pPr lvl="1"/>
+            <a:r>
+              <a:rPr lang="de-DE" dirty="0" smtClean="0"/>
+              <a:t>Fehlende Benutzerkonten</a:t>
+            </a:r>
             <a:endParaRPr lang="de-DE" dirty="0"/>
           </a:p>
-        </p:txBody>
-      </p:sp>
-      <p:pic>
-        <p:nvPicPr>
-          <p:cNvPr id="4" name="Inhaltsplatzhalter 3"/>
-          <p:cNvPicPr>
-            <a:picLocks noGrp="1" noChangeAspect="1"/>
-          </p:cNvPicPr>
-          <p:nvPr>
-            <p:ph idx="1"/>
-          </p:nvPr>
-        </p:nvPicPr>
-        <p:blipFill>
-          <a:blip r:embed="rId2">
-            <a:extLst>
-              <a:ext uri="{28A0092B-C50C-407E-A947-70E740481C1C}">
-                <a14:useLocalDpi xmlns:a14="http://schemas.microsoft.com/office/drawing/2010/main" val="0"/>
-              </a:ext>
-            </a:extLst>
-          </a:blip>
-          <a:stretch>
-            <a:fillRect/>
-          </a:stretch>
-        </p:blipFill>
-        <p:spPr>
-          <a:xfrm>
-            <a:off x="1152000" y="1690689"/>
-            <a:ext cx="6840000" cy="4101404"/>
-          </a:xfrm>
-        </p:spPr>
-      </p:pic>
+          <a:p>
+            <a:pPr lvl="1"/>
+            <a:r>
+              <a:rPr lang="de-DE" dirty="0" smtClean="0"/>
+              <a:t>Fehlende Rechte</a:t>
+            </a:r>
+          </a:p>
+          <a:p>
+            <a:pPr lvl="1"/>
+            <a:r>
+              <a:rPr lang="de-DE" dirty="0" smtClean="0"/>
+              <a:t>Proxy Konfiguration</a:t>
+            </a:r>
+          </a:p>
+        </p:txBody>
+      </p:sp>
     </p:spTree>
     <p:extLst>
       <p:ext uri="{BB962C8B-B14F-4D97-AF65-F5344CB8AC3E}">
-        <p14:creationId xmlns:p14="http://schemas.microsoft.com/office/powerpoint/2010/main" val="4109004571"/>
+        <p14:creationId xmlns:p14="http://schemas.microsoft.com/office/powerpoint/2010/main" val="4104248892"/>
       </p:ext>
     </p:extLst>
   </p:cSld>
@@ -4411,9 +6740,16 @@
           <a:p>
             <a:r>
               <a:rPr lang="de-DE" dirty="0" smtClean="0"/>
-              <a:t>Probleme</a:t>
-            </a:r>
-            <a:endParaRPr lang="de-DE" dirty="0"/>
+              <a:t>Projektdurchführung</a:t>
+            </a:r>
+            <a:br>
+              <a:rPr lang="de-DE" dirty="0" smtClean="0"/>
+            </a:br>
+            <a:r>
+              <a:rPr lang="de-DE" sz="2400" dirty="0" smtClean="0"/>
+              <a:t>Sprint 2</a:t>
+            </a:r>
+            <a:endParaRPr lang="de-DE" sz="2400" dirty="0"/>
           </a:p>
         </p:txBody>
       </p:sp>
@@ -4434,84 +6770,71 @@
           <a:p>
             <a:r>
               <a:rPr lang="de-DE" dirty="0" smtClean="0"/>
-              <a:t>Zu viele Personen</a:t>
+              <a:t>Benutzerverwaltung</a:t>
             </a:r>
           </a:p>
           <a:p>
             <a:pPr lvl="1"/>
             <a:r>
               <a:rPr lang="de-DE" dirty="0" smtClean="0"/>
-              <a:t>Keine einfachen Absprachen möglich</a:t>
+              <a:t>Anbindung an KVWL-interne Schnittstelle</a:t>
             </a:r>
           </a:p>
           <a:p>
             <a:pPr lvl="1"/>
             <a:r>
               <a:rPr lang="de-DE" dirty="0" smtClean="0"/>
-              <a:t>Managementaufwand zu hoch</a:t>
+              <a:t>Sitzungsverwaltung mit Session-Keys</a:t>
+            </a:r>
+          </a:p>
+          <a:p>
+            <a:r>
+              <a:rPr lang="de-DE" dirty="0" err="1" smtClean="0"/>
+              <a:t>Prototyping</a:t>
+            </a:r>
+            <a:r>
+              <a:rPr lang="de-DE" dirty="0" smtClean="0"/>
+              <a:t> Frontend</a:t>
+            </a:r>
+          </a:p>
+          <a:p>
+            <a:r>
+              <a:rPr lang="de-DE" dirty="0" smtClean="0"/>
+              <a:t>Datenbankgenerierung bei Anwendungsstart</a:t>
+            </a:r>
+          </a:p>
+          <a:p>
+            <a:r>
+              <a:rPr lang="de-DE" dirty="0" smtClean="0"/>
+              <a:t>Einrichtung eines zentralen Servers</a:t>
             </a:r>
           </a:p>
           <a:p>
             <a:pPr lvl="1"/>
-            <a:endParaRPr lang="de-DE" dirty="0" smtClean="0"/>
-          </a:p>
-          <a:p>
-            <a:r>
-              <a:rPr lang="de-DE" dirty="0" smtClean="0"/>
-              <a:t>Kein klarer Projektleiter</a:t>
-            </a:r>
-          </a:p>
-          <a:p>
-            <a:pPr lvl="1"/>
-            <a:r>
-              <a:rPr lang="de-DE" dirty="0" smtClean="0"/>
-              <a:t>Niemand fühlte sich verantwortlich</a:t>
-            </a:r>
-          </a:p>
-          <a:p>
-            <a:pPr lvl="1"/>
-            <a:r>
-              <a:rPr lang="de-DE" dirty="0" smtClean="0"/>
-              <a:t>Kritik wurde nicht ernst genommen</a:t>
-            </a:r>
-          </a:p>
-          <a:p>
-            <a:pPr lvl="1"/>
-            <a:r>
-              <a:rPr lang="de-DE" dirty="0" smtClean="0"/>
-              <a:t>Keine Hierarchien</a:t>
-            </a:r>
-          </a:p>
-          <a:p>
-            <a:pPr lvl="2"/>
-            <a:r>
-              <a:rPr lang="de-DE" dirty="0" smtClean="0"/>
-              <a:t>Zu lockeres Umfeld</a:t>
-            </a:r>
-          </a:p>
-          <a:p>
-            <a:pPr lvl="2"/>
-            <a:r>
-              <a:rPr lang="de-DE" dirty="0" smtClean="0"/>
-              <a:t>Jeder macht, was er will</a:t>
-            </a:r>
-          </a:p>
-          <a:p>
-            <a:pPr lvl="1"/>
-            <a:endParaRPr lang="de-DE" dirty="0" smtClean="0"/>
+            <a:r>
+              <a:rPr lang="de-DE" dirty="0" smtClean="0"/>
+              <a:t>Wurde im Projektverlauf nicht genutzt</a:t>
+            </a:r>
           </a:p>
         </p:txBody>
       </p:sp>
     </p:spTree>
     <p:extLst>
       <p:ext uri="{BB962C8B-B14F-4D97-AF65-F5344CB8AC3E}">
-        <p14:creationId xmlns:p14="http://schemas.microsoft.com/office/powerpoint/2010/main" val="1751503681"/>
+        <p14:creationId xmlns:p14="http://schemas.microsoft.com/office/powerpoint/2010/main" val="1227860609"/>
       </p:ext>
     </p:extLst>
   </p:cSld>
   <p:clrMapOvr>
     <a:masterClrMapping/>
   </p:clrMapOvr>
+  <p:timing>
+    <p:tnLst>
+      <p:par>
+        <p:cTn id="1" dur="indefinite" restart="never" nodeType="tmRoot"/>
+      </p:par>
+    </p:tnLst>
+  </p:timing>
 </p:sld>
 </file>
 

--- a/dokumente/Abschlusspräsentation.pptx
+++ b/dokumente/Abschlusspräsentation.pptx
@@ -17,8 +17,10 @@
     <p:sldId id="270" r:id="rId11"/>
     <p:sldId id="269" r:id="rId12"/>
     <p:sldId id="263" r:id="rId13"/>
-    <p:sldId id="265" r:id="rId14"/>
-    <p:sldId id="266" r:id="rId15"/>
+    <p:sldId id="272" r:id="rId14"/>
+    <p:sldId id="271" r:id="rId15"/>
+    <p:sldId id="265" r:id="rId16"/>
+    <p:sldId id="266" r:id="rId17"/>
   </p:sldIdLst>
   <p:sldSz cx="9144000" cy="6858000" type="screen4x3"/>
   <p:notesSz cx="6858000" cy="9144000"/>
@@ -3353,35 +3355,55 @@
           </a:p>
         </p:txBody>
       </p:sp>
-      <p:pic>
-        <p:nvPicPr>
-          <p:cNvPr id="4" name="Inhaltsplatzhalter 3"/>
-          <p:cNvPicPr>
-            <a:picLocks noGrp="1" noChangeAspect="1"/>
-          </p:cNvPicPr>
+      <p:sp>
+        <p:nvSpPr>
+          <p:cNvPr id="3" name="Inhaltsplatzhalter 2"/>
+          <p:cNvSpPr>
+            <a:spLocks noGrp="1"/>
+          </p:cNvSpPr>
           <p:nvPr>
             <p:ph idx="1"/>
           </p:nvPr>
-        </p:nvPicPr>
-        <p:blipFill>
-          <a:blip r:embed="rId2">
-            <a:extLst>
-              <a:ext uri="{28A0092B-C50C-407E-A947-70E740481C1C}">
-                <a14:useLocalDpi xmlns:a14="http://schemas.microsoft.com/office/drawing/2010/main" val="0"/>
-              </a:ext>
-            </a:extLst>
-          </a:blip>
-          <a:stretch>
-            <a:fillRect/>
-          </a:stretch>
-        </p:blipFill>
-        <p:spPr>
-          <a:xfrm>
-            <a:off x="1152000" y="1690689"/>
-            <a:ext cx="6840000" cy="4101404"/>
-          </a:xfrm>
-        </p:spPr>
-      </p:pic>
+        </p:nvSpPr>
+        <p:spPr/>
+        <p:txBody>
+          <a:bodyPr/>
+          <a:lstStyle/>
+          <a:p>
+            <a:r>
+              <a:rPr lang="de-DE" dirty="0" smtClean="0"/>
+              <a:t>Laden der Vereinsdaten aus der API</a:t>
+            </a:r>
+          </a:p>
+          <a:p>
+            <a:r>
+              <a:rPr lang="de-DE" dirty="0" smtClean="0"/>
+              <a:t>Anzeige der Bundesligatabelle</a:t>
+            </a:r>
+          </a:p>
+          <a:p>
+            <a:r>
+              <a:rPr lang="de-DE" dirty="0" smtClean="0"/>
+              <a:t>Tippabgabe</a:t>
+            </a:r>
+          </a:p>
+          <a:p>
+            <a:r>
+              <a:rPr lang="de-DE" dirty="0" smtClean="0"/>
+              <a:t>Profilseite</a:t>
+            </a:r>
+          </a:p>
+          <a:p>
+            <a:r>
+              <a:rPr lang="de-DE" dirty="0" smtClean="0"/>
+              <a:t>Regelseite</a:t>
+            </a:r>
+          </a:p>
+          <a:p>
+            <a:endParaRPr lang="de-DE" dirty="0"/>
+          </a:p>
+        </p:txBody>
+      </p:sp>
     </p:spTree>
     <p:extLst>
       <p:ext uri="{BB962C8B-B14F-4D97-AF65-F5344CB8AC3E}">
@@ -3436,6 +3458,233 @@
           <a:p>
             <a:r>
               <a:rPr lang="de-DE" dirty="0" smtClean="0"/>
+              <a:t>Projektdurchführung</a:t>
+            </a:r>
+            <a:br>
+              <a:rPr lang="de-DE" dirty="0" smtClean="0"/>
+            </a:br>
+            <a:r>
+              <a:rPr lang="de-DE" sz="2400" dirty="0" smtClean="0"/>
+              <a:t>Sprint 3</a:t>
+            </a:r>
+            <a:endParaRPr lang="de-DE" sz="2400" dirty="0"/>
+          </a:p>
+        </p:txBody>
+      </p:sp>
+      <p:sp>
+        <p:nvSpPr>
+          <p:cNvPr id="3" name="Inhaltsplatzhalter 2"/>
+          <p:cNvSpPr>
+            <a:spLocks noGrp="1"/>
+          </p:cNvSpPr>
+          <p:nvPr>
+            <p:ph idx="1"/>
+          </p:nvPr>
+        </p:nvSpPr>
+        <p:spPr/>
+        <p:txBody>
+          <a:bodyPr/>
+          <a:lstStyle/>
+          <a:p>
+            <a:r>
+              <a:rPr lang="de-DE" dirty="0" smtClean="0"/>
+              <a:t>Probleme:</a:t>
+            </a:r>
+          </a:p>
+          <a:p>
+            <a:pPr lvl="1"/>
+            <a:r>
+              <a:rPr lang="de-DE" dirty="0" smtClean="0"/>
+              <a:t>Funktionsaufruf aus dem Frontend zur Tippabgabe schlug aufgrund fehlerhafter Datentypen (</a:t>
+            </a:r>
+            <a:r>
+              <a:rPr lang="de-DE" dirty="0" err="1" smtClean="0"/>
+              <a:t>int</a:t>
+            </a:r>
+            <a:r>
+              <a:rPr lang="de-DE" dirty="0" smtClean="0"/>
+              <a:t>/Integer &amp; null) fehl</a:t>
+            </a:r>
+          </a:p>
+          <a:p>
+            <a:pPr lvl="2"/>
+            <a:r>
+              <a:rPr lang="de-DE" dirty="0" smtClean="0"/>
+              <a:t>Fehlende interne Kommunikation</a:t>
+            </a:r>
+          </a:p>
+          <a:p>
+            <a:pPr lvl="1"/>
+            <a:r>
+              <a:rPr lang="de-DE" dirty="0" smtClean="0"/>
+              <a:t>Jenkins-Einrichtung konnte nicht abgeschlossen werden</a:t>
+            </a:r>
+          </a:p>
+          <a:p>
+            <a:pPr lvl="1"/>
+            <a:r>
+              <a:rPr lang="de-DE" dirty="0" smtClean="0"/>
+              <a:t>Zeitproblematik aufgrund von IHK-Prüfungen</a:t>
+            </a:r>
+          </a:p>
+          <a:p>
+            <a:endParaRPr lang="de-DE" dirty="0"/>
+          </a:p>
+        </p:txBody>
+      </p:sp>
+    </p:spTree>
+    <p:extLst>
+      <p:ext uri="{BB962C8B-B14F-4D97-AF65-F5344CB8AC3E}">
+        <p14:creationId xmlns:p14="http://schemas.microsoft.com/office/powerpoint/2010/main" val="841493829"/>
+      </p:ext>
+    </p:extLst>
+  </p:cSld>
+  <p:clrMapOvr>
+    <a:masterClrMapping/>
+  </p:clrMapOvr>
+  <p:timing>
+    <p:tnLst>
+      <p:par>
+        <p:cTn id="1" dur="indefinite" restart="never" nodeType="tmRoot"/>
+      </p:par>
+    </p:tnLst>
+  </p:timing>
+</p:sld>
+</file>
+
+<file path=ppt/slides/slide14.xml><?xml version="1.0" encoding="utf-8"?>
+<p:sld xmlns:a="http://schemas.openxmlformats.org/drawingml/2006/main" xmlns:r="http://schemas.openxmlformats.org/officeDocument/2006/relationships" xmlns:p="http://schemas.openxmlformats.org/presentationml/2006/main">
+  <p:cSld>
+    <p:spTree>
+      <p:nvGrpSpPr>
+        <p:cNvPr id="1" name=""/>
+        <p:cNvGrpSpPr/>
+        <p:nvPr/>
+      </p:nvGrpSpPr>
+      <p:grpSpPr>
+        <a:xfrm>
+          <a:off x="0" y="0"/>
+          <a:ext cx="0" cy="0"/>
+          <a:chOff x="0" y="0"/>
+          <a:chExt cx="0" cy="0"/>
+        </a:xfrm>
+      </p:grpSpPr>
+      <p:sp>
+        <p:nvSpPr>
+          <p:cNvPr id="2" name="Titel 1"/>
+          <p:cNvSpPr>
+            <a:spLocks noGrp="1"/>
+          </p:cNvSpPr>
+          <p:nvPr>
+            <p:ph type="title"/>
+          </p:nvPr>
+        </p:nvSpPr>
+        <p:spPr/>
+        <p:txBody>
+          <a:bodyPr/>
+          <a:lstStyle/>
+          <a:p>
+            <a:r>
+              <a:rPr lang="de-DE" dirty="0" smtClean="0"/>
+              <a:t>Projektdurchführung</a:t>
+            </a:r>
+            <a:br>
+              <a:rPr lang="de-DE" dirty="0" smtClean="0"/>
+            </a:br>
+            <a:r>
+              <a:rPr lang="de-DE" sz="2400" dirty="0" smtClean="0"/>
+              <a:t>Sprint 3</a:t>
+            </a:r>
+            <a:endParaRPr lang="de-DE" sz="2400" dirty="0"/>
+          </a:p>
+        </p:txBody>
+      </p:sp>
+      <p:pic>
+        <p:nvPicPr>
+          <p:cNvPr id="6" name="Inhaltsplatzhalter 5"/>
+          <p:cNvPicPr>
+            <a:picLocks noGrp="1"/>
+          </p:cNvPicPr>
+          <p:nvPr>
+            <p:ph idx="1"/>
+          </p:nvPr>
+        </p:nvPicPr>
+        <p:blipFill>
+          <a:blip r:embed="rId2">
+            <a:extLst>
+              <a:ext uri="{28A0092B-C50C-407E-A947-70E740481C1C}">
+                <a14:useLocalDpi xmlns:a14="http://schemas.microsoft.com/office/drawing/2010/main" val="0"/>
+              </a:ext>
+            </a:extLst>
+          </a:blip>
+          <a:stretch>
+            <a:fillRect/>
+          </a:stretch>
+        </p:blipFill>
+        <p:spPr>
+          <a:xfrm>
+            <a:off x="2057049" y="2505660"/>
+            <a:ext cx="5029902" cy="2991267"/>
+          </a:xfrm>
+          <a:prstGeom prst="rect">
+            <a:avLst/>
+          </a:prstGeom>
+        </p:spPr>
+      </p:pic>
+    </p:spTree>
+    <p:extLst>
+      <p:ext uri="{BB962C8B-B14F-4D97-AF65-F5344CB8AC3E}">
+        <p14:creationId xmlns:p14="http://schemas.microsoft.com/office/powerpoint/2010/main" val="2967395382"/>
+      </p:ext>
+    </p:extLst>
+  </p:cSld>
+  <p:clrMapOvr>
+    <a:masterClrMapping/>
+  </p:clrMapOvr>
+  <p:timing>
+    <p:tnLst>
+      <p:par>
+        <p:cTn id="1" dur="indefinite" restart="never" nodeType="tmRoot"/>
+      </p:par>
+    </p:tnLst>
+  </p:timing>
+</p:sld>
+</file>
+
+<file path=ppt/slides/slide15.xml><?xml version="1.0" encoding="utf-8"?>
+<p:sld xmlns:a="http://schemas.openxmlformats.org/drawingml/2006/main" xmlns:r="http://schemas.openxmlformats.org/officeDocument/2006/relationships" xmlns:p="http://schemas.openxmlformats.org/presentationml/2006/main">
+  <p:cSld>
+    <p:spTree>
+      <p:nvGrpSpPr>
+        <p:cNvPr id="1" name=""/>
+        <p:cNvGrpSpPr/>
+        <p:nvPr/>
+      </p:nvGrpSpPr>
+      <p:grpSpPr>
+        <a:xfrm>
+          <a:off x="0" y="0"/>
+          <a:ext cx="0" cy="0"/>
+          <a:chOff x="0" y="0"/>
+          <a:chExt cx="0" cy="0"/>
+        </a:xfrm>
+      </p:grpSpPr>
+      <p:sp>
+        <p:nvSpPr>
+          <p:cNvPr id="2" name="Titel 1"/>
+          <p:cNvSpPr>
+            <a:spLocks noGrp="1"/>
+          </p:cNvSpPr>
+          <p:nvPr>
+            <p:ph type="title"/>
+          </p:nvPr>
+        </p:nvSpPr>
+        <p:spPr/>
+        <p:txBody>
+          <a:bodyPr/>
+          <a:lstStyle/>
+          <a:p>
+            <a:r>
+              <a:rPr lang="de-DE" dirty="0" smtClean="0"/>
               <a:t>Probleme</a:t>
             </a:r>
             <a:endParaRPr lang="de-DE" dirty="0"/>
@@ -3454,7 +3703,9 @@
         </p:nvSpPr>
         <p:spPr/>
         <p:txBody>
-          <a:bodyPr/>
+          <a:bodyPr>
+            <a:normAutofit lnSpcReduction="10000"/>
+          </a:bodyPr>
           <a:lstStyle/>
           <a:p>
             <a:r>
@@ -3473,8 +3724,28 @@
             <a:pPr lvl="1"/>
             <a:r>
               <a:rPr lang="de-DE" dirty="0" smtClean="0"/>
-              <a:t>Managementaufwand zu hoch</a:t>
-            </a:r>
+              <a:t>Managementaufwand zu </a:t>
+            </a:r>
+            <a:r>
+              <a:rPr lang="de-DE" dirty="0" smtClean="0"/>
+              <a:t>hoch</a:t>
+            </a:r>
+          </a:p>
+          <a:p>
+            <a:pPr lvl="1"/>
+            <a:r>
+              <a:rPr lang="de-DE"/>
+              <a:t>Kritik wurde nicht </a:t>
+            </a:r>
+            <a:r>
+              <a:rPr lang="de-DE"/>
+              <a:t>ernst </a:t>
+            </a:r>
+            <a:r>
+              <a:rPr lang="de-DE" smtClean="0"/>
+              <a:t>genommen</a:t>
+            </a:r>
+            <a:endParaRPr lang="de-DE" dirty="0" smtClean="0"/>
           </a:p>
           <a:p>
             <a:pPr lvl="1"/>
@@ -3482,9 +3753,30 @@
           </a:p>
           <a:p>
             <a:r>
-              <a:rPr lang="de-DE" dirty="0" smtClean="0"/>
-              <a:t>Kein klarer Projektleiter</a:t>
-            </a:r>
+              <a:rPr lang="de-DE" dirty="0" err="1" smtClean="0"/>
+              <a:t>Product</a:t>
+            </a:r>
+            <a:r>
+              <a:rPr lang="de-DE" dirty="0" smtClean="0"/>
+              <a:t> </a:t>
+            </a:r>
+            <a:r>
+              <a:rPr lang="de-DE" dirty="0" err="1" smtClean="0"/>
+              <a:t>Owner</a:t>
+            </a:r>
+            <a:r>
+              <a:rPr lang="de-DE" dirty="0" smtClean="0"/>
+              <a:t> &amp; </a:t>
+            </a:r>
+            <a:r>
+              <a:rPr lang="de-DE" dirty="0" err="1" smtClean="0"/>
+              <a:t>Scrum</a:t>
+            </a:r>
+            <a:r>
+              <a:rPr lang="de-DE" dirty="0" smtClean="0"/>
+              <a:t> Master waren nicht direkt in das Projekt integriert</a:t>
+            </a:r>
+            <a:endParaRPr lang="de-DE" dirty="0" smtClean="0"/>
           </a:p>
           <a:p>
             <a:pPr lvl="1"/>
@@ -3497,14 +3789,11 @@
             <a:pPr lvl="1"/>
             <a:r>
               <a:rPr lang="de-DE" dirty="0" smtClean="0"/>
-              <a:t>Kritik wurde nicht ernst genommen</a:t>
-            </a:r>
-          </a:p>
-          <a:p>
-            <a:pPr lvl="1"/>
-            <a:r>
-              <a:rPr lang="de-DE" dirty="0" smtClean="0"/>
-              <a:t>Keine Hierarchien</a:t>
+              <a:t>Keine </a:t>
+            </a:r>
+            <a:r>
+              <a:rPr lang="de-DE" dirty="0" smtClean="0"/>
+              <a:t>Hierarchien</a:t>
             </a:r>
           </a:p>
           <a:p>
@@ -3540,7 +3829,7 @@
 </p:sld>
 </file>
 
-<file path=ppt/slides/slide14.xml><?xml version="1.0" encoding="utf-8"?>
+<file path=ppt/slides/slide16.xml><?xml version="1.0" encoding="utf-8"?>
 <p:sld xmlns:a="http://schemas.openxmlformats.org/drawingml/2006/main" xmlns:r="http://schemas.openxmlformats.org/officeDocument/2006/relationships" xmlns:p="http://schemas.openxmlformats.org/presentationml/2006/main">
   <p:cSld>
     <p:spTree>

--- a/dokumente/Abschlusspräsentation.pptx
+++ b/dokumente/Abschlusspräsentation.pptx
@@ -7,8 +7,8 @@
   <p:sldIdLst>
     <p:sldId id="256" r:id="rId2"/>
     <p:sldId id="257" r:id="rId3"/>
-    <p:sldId id="258" r:id="rId4"/>
-    <p:sldId id="259" r:id="rId5"/>
+    <p:sldId id="259" r:id="rId4"/>
+    <p:sldId id="258" r:id="rId5"/>
     <p:sldId id="260" r:id="rId6"/>
     <p:sldId id="261" r:id="rId7"/>
     <p:sldId id="262" r:id="rId8"/>
@@ -19,8 +19,15 @@
     <p:sldId id="263" r:id="rId13"/>
     <p:sldId id="272" r:id="rId14"/>
     <p:sldId id="271" r:id="rId15"/>
-    <p:sldId id="265" r:id="rId16"/>
-    <p:sldId id="266" r:id="rId17"/>
+    <p:sldId id="273" r:id="rId16"/>
+    <p:sldId id="274" r:id="rId17"/>
+    <p:sldId id="275" r:id="rId18"/>
+    <p:sldId id="265" r:id="rId19"/>
+    <p:sldId id="266" r:id="rId20"/>
+    <p:sldId id="276" r:id="rId21"/>
+    <p:sldId id="277" r:id="rId22"/>
+    <p:sldId id="278" r:id="rId23"/>
+    <p:sldId id="279" r:id="rId24"/>
   </p:sldIdLst>
   <p:sldSz cx="9144000" cy="6858000" type="screen4x3"/>
   <p:notesSz cx="6858000" cy="9144000"/>
@@ -258,7 +265,7 @@
           <a:p>
             <a:fld id="{5197CC10-F8E2-46C0-927B-C653CE086A3B}" type="datetimeFigureOut">
               <a:rPr lang="de-DE" smtClean="0"/>
-              <a:t>03.07.2018</a:t>
+              <a:t>04.07.2018</a:t>
             </a:fld>
             <a:endParaRPr lang="de-DE"/>
           </a:p>
@@ -428,7 +435,7 @@
           <a:p>
             <a:fld id="{5197CC10-F8E2-46C0-927B-C653CE086A3B}" type="datetimeFigureOut">
               <a:rPr lang="de-DE" smtClean="0"/>
-              <a:t>03.07.2018</a:t>
+              <a:t>04.07.2018</a:t>
             </a:fld>
             <a:endParaRPr lang="de-DE"/>
           </a:p>
@@ -608,7 +615,7 @@
           <a:p>
             <a:fld id="{5197CC10-F8E2-46C0-927B-C653CE086A3B}" type="datetimeFigureOut">
               <a:rPr lang="de-DE" smtClean="0"/>
-              <a:t>03.07.2018</a:t>
+              <a:t>04.07.2018</a:t>
             </a:fld>
             <a:endParaRPr lang="de-DE"/>
           </a:p>
@@ -778,7 +785,7 @@
           <a:p>
             <a:fld id="{5197CC10-F8E2-46C0-927B-C653CE086A3B}" type="datetimeFigureOut">
               <a:rPr lang="de-DE" smtClean="0"/>
-              <a:t>03.07.2018</a:t>
+              <a:t>04.07.2018</a:t>
             </a:fld>
             <a:endParaRPr lang="de-DE"/>
           </a:p>
@@ -1022,7 +1029,7 @@
           <a:p>
             <a:fld id="{5197CC10-F8E2-46C0-927B-C653CE086A3B}" type="datetimeFigureOut">
               <a:rPr lang="de-DE" smtClean="0"/>
-              <a:t>03.07.2018</a:t>
+              <a:t>04.07.2018</a:t>
             </a:fld>
             <a:endParaRPr lang="de-DE"/>
           </a:p>
@@ -1254,7 +1261,7 @@
           <a:p>
             <a:fld id="{5197CC10-F8E2-46C0-927B-C653CE086A3B}" type="datetimeFigureOut">
               <a:rPr lang="de-DE" smtClean="0"/>
-              <a:t>03.07.2018</a:t>
+              <a:t>04.07.2018</a:t>
             </a:fld>
             <a:endParaRPr lang="de-DE"/>
           </a:p>
@@ -1621,7 +1628,7 @@
           <a:p>
             <a:fld id="{5197CC10-F8E2-46C0-927B-C653CE086A3B}" type="datetimeFigureOut">
               <a:rPr lang="de-DE" smtClean="0"/>
-              <a:t>03.07.2018</a:t>
+              <a:t>04.07.2018</a:t>
             </a:fld>
             <a:endParaRPr lang="de-DE"/>
           </a:p>
@@ -1739,7 +1746,7 @@
           <a:p>
             <a:fld id="{5197CC10-F8E2-46C0-927B-C653CE086A3B}" type="datetimeFigureOut">
               <a:rPr lang="de-DE" smtClean="0"/>
-              <a:t>03.07.2018</a:t>
+              <a:t>04.07.2018</a:t>
             </a:fld>
             <a:endParaRPr lang="de-DE"/>
           </a:p>
@@ -1834,7 +1841,7 @@
           <a:p>
             <a:fld id="{5197CC10-F8E2-46C0-927B-C653CE086A3B}" type="datetimeFigureOut">
               <a:rPr lang="de-DE" smtClean="0"/>
-              <a:t>03.07.2018</a:t>
+              <a:t>04.07.2018</a:t>
             </a:fld>
             <a:endParaRPr lang="de-DE"/>
           </a:p>
@@ -2111,7 +2118,7 @@
           <a:p>
             <a:fld id="{5197CC10-F8E2-46C0-927B-C653CE086A3B}" type="datetimeFigureOut">
               <a:rPr lang="de-DE" smtClean="0"/>
-              <a:t>03.07.2018</a:t>
+              <a:t>04.07.2018</a:t>
             </a:fld>
             <a:endParaRPr lang="de-DE"/>
           </a:p>
@@ -2368,7 +2375,7 @@
           <a:p>
             <a:fld id="{5197CC10-F8E2-46C0-927B-C653CE086A3B}" type="datetimeFigureOut">
               <a:rPr lang="de-DE" smtClean="0"/>
-              <a:t>03.07.2018</a:t>
+              <a:t>04.07.2018</a:t>
             </a:fld>
             <a:endParaRPr lang="de-DE"/>
           </a:p>
@@ -2581,7 +2588,7 @@
           <a:p>
             <a:fld id="{5197CC10-F8E2-46C0-927B-C653CE086A3B}" type="datetimeFigureOut">
               <a:rPr lang="de-DE" smtClean="0"/>
-              <a:t>03.07.2018</a:t>
+              <a:t>04.07.2018</a:t>
             </a:fld>
             <a:endParaRPr lang="de-DE"/>
           </a:p>
@@ -3680,152 +3687,112 @@
         </p:nvSpPr>
         <p:spPr/>
         <p:txBody>
-          <a:bodyPr/>
-          <a:lstStyle/>
-          <a:p>
-            <a:r>
-              <a:rPr lang="de-DE" dirty="0" smtClean="0"/>
-              <a:t>Probleme</a:t>
+          <a:bodyPr>
+            <a:normAutofit/>
+          </a:bodyPr>
+          <a:lstStyle/>
+          <a:p>
+            <a:r>
+              <a:rPr lang="de-DE" dirty="0" smtClean="0"/>
+              <a:t>Projektdurchführung</a:t>
+            </a:r>
+            <a:br>
+              <a:rPr lang="de-DE" dirty="0" smtClean="0"/>
+            </a:br>
+            <a:r>
+              <a:rPr lang="de-DE" sz="2400" dirty="0" smtClean="0"/>
+              <a:t>Sprint 4</a:t>
+            </a:r>
+            <a:endParaRPr lang="de-DE" sz="2400" dirty="0"/>
+          </a:p>
+        </p:txBody>
+      </p:sp>
+      <p:sp>
+        <p:nvSpPr>
+          <p:cNvPr id="3" name="Inhaltsplatzhalter 2"/>
+          <p:cNvSpPr>
+            <a:spLocks noGrp="1"/>
+          </p:cNvSpPr>
+          <p:nvPr>
+            <p:ph idx="1"/>
+          </p:nvPr>
+        </p:nvSpPr>
+        <p:spPr/>
+        <p:txBody>
+          <a:bodyPr/>
+          <a:lstStyle/>
+          <a:p>
+            <a:r>
+              <a:rPr lang="de-DE" dirty="0" err="1" smtClean="0"/>
+              <a:t>Achievements</a:t>
+            </a:r>
+            <a:endParaRPr lang="de-DE" dirty="0" smtClean="0"/>
+          </a:p>
+          <a:p>
+            <a:pPr lvl="1"/>
+            <a:r>
+              <a:rPr lang="de-DE" dirty="0" smtClean="0"/>
+              <a:t>Automatische Vergabe</a:t>
+            </a:r>
+          </a:p>
+          <a:p>
+            <a:pPr lvl="1"/>
+            <a:r>
+              <a:rPr lang="de-DE" dirty="0" smtClean="0"/>
+              <a:t>User kann angezeigtes auswählen</a:t>
+            </a:r>
+          </a:p>
+          <a:p>
+            <a:r>
+              <a:rPr lang="de-DE" dirty="0" smtClean="0"/>
+              <a:t>Bestenliste</a:t>
+            </a:r>
+          </a:p>
+          <a:p>
+            <a:pPr lvl="1"/>
+            <a:r>
+              <a:rPr lang="de-DE" dirty="0" smtClean="0"/>
+              <a:t>Dauerhaft, aktuelle Saison, aktueller Spieltag</a:t>
+            </a:r>
+          </a:p>
+          <a:p>
+            <a:r>
+              <a:rPr lang="de-DE" dirty="0" smtClean="0"/>
+              <a:t>News</a:t>
+            </a:r>
+          </a:p>
+          <a:p>
+            <a:r>
+              <a:rPr lang="de-DE" dirty="0" smtClean="0"/>
+              <a:t>Tippauswertung</a:t>
+            </a:r>
+          </a:p>
+          <a:p>
+            <a:r>
+              <a:rPr lang="de-DE" dirty="0" smtClean="0"/>
+              <a:t>Tippgruppen</a:t>
             </a:r>
             <a:endParaRPr lang="de-DE" dirty="0"/>
-          </a:p>
-        </p:txBody>
-      </p:sp>
-      <p:sp>
-        <p:nvSpPr>
-          <p:cNvPr id="3" name="Inhaltsplatzhalter 2"/>
-          <p:cNvSpPr>
-            <a:spLocks noGrp="1"/>
-          </p:cNvSpPr>
-          <p:nvPr>
-            <p:ph idx="1"/>
-          </p:nvPr>
-        </p:nvSpPr>
-        <p:spPr/>
-        <p:txBody>
-          <a:bodyPr>
-            <a:normAutofit lnSpcReduction="10000"/>
-          </a:bodyPr>
-          <a:lstStyle/>
-          <a:p>
-            <a:r>
-              <a:rPr lang="de-DE" dirty="0" smtClean="0"/>
-              <a:t>Zu viele Personen</a:t>
-            </a:r>
-          </a:p>
-          <a:p>
-            <a:pPr lvl="1"/>
-            <a:r>
-              <a:rPr lang="de-DE" dirty="0" smtClean="0"/>
-              <a:t>Keine einfachen Absprachen möglich</a:t>
-            </a:r>
-          </a:p>
-          <a:p>
-            <a:pPr lvl="1"/>
-            <a:r>
-              <a:rPr lang="de-DE" dirty="0" smtClean="0"/>
-              <a:t>Managementaufwand zu </a:t>
-            </a:r>
-            <a:r>
-              <a:rPr lang="de-DE" dirty="0" smtClean="0"/>
-              <a:t>hoch</a:t>
-            </a:r>
-          </a:p>
-          <a:p>
-            <a:pPr lvl="1"/>
-            <a:r>
-              <a:rPr lang="de-DE"/>
-              <a:t>Kritik wurde nicht </a:t>
-            </a:r>
-            <a:r>
-              <a:rPr lang="de-DE"/>
-              <a:t>ernst </a:t>
-            </a:r>
-            <a:r>
-              <a:rPr lang="de-DE" smtClean="0"/>
-              <a:t>genommen</a:t>
-            </a:r>
-            <a:endParaRPr lang="de-DE" dirty="0" smtClean="0"/>
-          </a:p>
-          <a:p>
-            <a:pPr lvl="1"/>
-            <a:endParaRPr lang="de-DE" dirty="0" smtClean="0"/>
-          </a:p>
-          <a:p>
-            <a:r>
-              <a:rPr lang="de-DE" dirty="0" err="1" smtClean="0"/>
-              <a:t>Product</a:t>
-            </a:r>
-            <a:r>
-              <a:rPr lang="de-DE" dirty="0" smtClean="0"/>
-              <a:t> </a:t>
-            </a:r>
-            <a:r>
-              <a:rPr lang="de-DE" dirty="0" err="1" smtClean="0"/>
-              <a:t>Owner</a:t>
-            </a:r>
-            <a:r>
-              <a:rPr lang="de-DE" dirty="0" smtClean="0"/>
-              <a:t> &amp; </a:t>
-            </a:r>
-            <a:r>
-              <a:rPr lang="de-DE" dirty="0" err="1" smtClean="0"/>
-              <a:t>Scrum</a:t>
-            </a:r>
-            <a:r>
-              <a:rPr lang="de-DE" dirty="0" smtClean="0"/>
-              <a:t> Master waren nicht direkt in das Projekt integriert</a:t>
-            </a:r>
-            <a:endParaRPr lang="de-DE" dirty="0" smtClean="0"/>
-          </a:p>
-          <a:p>
-            <a:pPr lvl="1"/>
-            <a:r>
-              <a:rPr lang="de-DE" dirty="0" smtClean="0"/>
-              <a:t>Niemand fühlte sich verantwortlich</a:t>
-            </a:r>
-          </a:p>
-          <a:p>
-            <a:pPr lvl="1"/>
-            <a:r>
-              <a:rPr lang="de-DE" dirty="0" smtClean="0"/>
-              <a:t>Keine </a:t>
-            </a:r>
-            <a:r>
-              <a:rPr lang="de-DE" dirty="0" smtClean="0"/>
-              <a:t>Hierarchien</a:t>
-            </a:r>
-          </a:p>
-          <a:p>
-            <a:pPr lvl="2"/>
-            <a:r>
-              <a:rPr lang="de-DE" dirty="0" smtClean="0"/>
-              <a:t>Zu lockeres Umfeld</a:t>
-            </a:r>
-          </a:p>
-          <a:p>
-            <a:pPr lvl="2"/>
-            <a:r>
-              <a:rPr lang="de-DE" dirty="0" smtClean="0"/>
-              <a:t>Jeder macht, was er will</a:t>
-            </a:r>
-          </a:p>
-          <a:p>
-            <a:pPr lvl="1"/>
-            <a:endParaRPr lang="de-DE" dirty="0" smtClean="0"/>
           </a:p>
         </p:txBody>
       </p:sp>
     </p:spTree>
     <p:extLst>
       <p:ext uri="{BB962C8B-B14F-4D97-AF65-F5344CB8AC3E}">
-        <p14:creationId xmlns:p14="http://schemas.microsoft.com/office/powerpoint/2010/main" val="1751503681"/>
+        <p14:creationId xmlns:p14="http://schemas.microsoft.com/office/powerpoint/2010/main" val="1751033423"/>
       </p:ext>
     </p:extLst>
   </p:cSld>
   <p:clrMapOvr>
     <a:masterClrMapping/>
   </p:clrMapOvr>
+  <p:timing>
+    <p:tnLst>
+      <p:par>
+        <p:cTn id="1" dur="indefinite" restart="never" nodeType="tmRoot"/>
+      </p:par>
+    </p:tnLst>
+  </p:timing>
 </p:sld>
 </file>
 
@@ -3858,6 +3825,359 @@
         </p:nvSpPr>
         <p:spPr/>
         <p:txBody>
+          <a:bodyPr>
+            <a:normAutofit/>
+          </a:bodyPr>
+          <a:lstStyle/>
+          <a:p>
+            <a:r>
+              <a:rPr lang="de-DE" dirty="0" smtClean="0"/>
+              <a:t>Projektdurchführung</a:t>
+            </a:r>
+            <a:br>
+              <a:rPr lang="de-DE" dirty="0" smtClean="0"/>
+            </a:br>
+            <a:r>
+              <a:rPr lang="de-DE" sz="2400" dirty="0" smtClean="0"/>
+              <a:t>Sprint 4</a:t>
+            </a:r>
+            <a:endParaRPr lang="de-DE" sz="2400" dirty="0"/>
+          </a:p>
+        </p:txBody>
+      </p:sp>
+      <p:sp>
+        <p:nvSpPr>
+          <p:cNvPr id="3" name="Inhaltsplatzhalter 2"/>
+          <p:cNvSpPr>
+            <a:spLocks noGrp="1"/>
+          </p:cNvSpPr>
+          <p:nvPr>
+            <p:ph idx="1"/>
+          </p:nvPr>
+        </p:nvSpPr>
+        <p:spPr/>
+        <p:txBody>
+          <a:bodyPr/>
+          <a:lstStyle/>
+          <a:p>
+            <a:r>
+              <a:rPr lang="de-DE" dirty="0" smtClean="0"/>
+              <a:t>Probleme:</a:t>
+            </a:r>
+          </a:p>
+          <a:p>
+            <a:pPr lvl="1"/>
+            <a:r>
+              <a:rPr lang="de-DE" dirty="0"/>
+              <a:t>Zeitproblematik aufgrund von IHK-Prüfungen</a:t>
+            </a:r>
+          </a:p>
+          <a:p>
+            <a:pPr lvl="1"/>
+            <a:endParaRPr lang="de-DE" dirty="0"/>
+          </a:p>
+        </p:txBody>
+      </p:sp>
+    </p:spTree>
+    <p:extLst>
+      <p:ext uri="{BB962C8B-B14F-4D97-AF65-F5344CB8AC3E}">
+        <p14:creationId xmlns:p14="http://schemas.microsoft.com/office/powerpoint/2010/main" val="80461747"/>
+      </p:ext>
+    </p:extLst>
+  </p:cSld>
+  <p:clrMapOvr>
+    <a:masterClrMapping/>
+  </p:clrMapOvr>
+  <p:timing>
+    <p:tnLst>
+      <p:par>
+        <p:cTn id="1" dur="indefinite" restart="never" nodeType="tmRoot"/>
+      </p:par>
+    </p:tnLst>
+  </p:timing>
+</p:sld>
+</file>
+
+<file path=ppt/slides/slide17.xml><?xml version="1.0" encoding="utf-8"?>
+<p:sld xmlns:a="http://schemas.openxmlformats.org/drawingml/2006/main" xmlns:r="http://schemas.openxmlformats.org/officeDocument/2006/relationships" xmlns:p="http://schemas.openxmlformats.org/presentationml/2006/main">
+  <p:cSld>
+    <p:spTree>
+      <p:nvGrpSpPr>
+        <p:cNvPr id="1" name=""/>
+        <p:cNvGrpSpPr/>
+        <p:nvPr/>
+      </p:nvGrpSpPr>
+      <p:grpSpPr>
+        <a:xfrm>
+          <a:off x="0" y="0"/>
+          <a:ext cx="0" cy="0"/>
+          <a:chOff x="0" y="0"/>
+          <a:chExt cx="0" cy="0"/>
+        </a:xfrm>
+      </p:grpSpPr>
+      <p:sp>
+        <p:nvSpPr>
+          <p:cNvPr id="2" name="Titel 1"/>
+          <p:cNvSpPr>
+            <a:spLocks noGrp="1"/>
+          </p:cNvSpPr>
+          <p:nvPr>
+            <p:ph type="title"/>
+          </p:nvPr>
+        </p:nvSpPr>
+        <p:spPr/>
+        <p:txBody>
+          <a:bodyPr/>
+          <a:lstStyle/>
+          <a:p>
+            <a:r>
+              <a:rPr lang="de-DE" dirty="0" smtClean="0"/>
+              <a:t>Projektdurchführung</a:t>
+            </a:r>
+            <a:br>
+              <a:rPr lang="de-DE" dirty="0" smtClean="0"/>
+            </a:br>
+            <a:r>
+              <a:rPr lang="de-DE" sz="2400" dirty="0" smtClean="0"/>
+              <a:t>Sprint 4</a:t>
+            </a:r>
+            <a:endParaRPr lang="de-DE" sz="2400" dirty="0"/>
+          </a:p>
+        </p:txBody>
+      </p:sp>
+      <p:sp>
+        <p:nvSpPr>
+          <p:cNvPr id="3" name="Inhaltsplatzhalter 2"/>
+          <p:cNvSpPr>
+            <a:spLocks noGrp="1"/>
+          </p:cNvSpPr>
+          <p:nvPr>
+            <p:ph idx="1"/>
+          </p:nvPr>
+        </p:nvSpPr>
+        <p:spPr/>
+        <p:txBody>
+          <a:bodyPr/>
+          <a:lstStyle/>
+          <a:p>
+            <a:endParaRPr lang="de-DE"/>
+          </a:p>
+        </p:txBody>
+      </p:sp>
+    </p:spTree>
+    <p:extLst>
+      <p:ext uri="{BB962C8B-B14F-4D97-AF65-F5344CB8AC3E}">
+        <p14:creationId xmlns:p14="http://schemas.microsoft.com/office/powerpoint/2010/main" val="1767017274"/>
+      </p:ext>
+    </p:extLst>
+  </p:cSld>
+  <p:clrMapOvr>
+    <a:masterClrMapping/>
+  </p:clrMapOvr>
+  <p:timing>
+    <p:tnLst>
+      <p:par>
+        <p:cTn id="1" dur="indefinite" restart="never" nodeType="tmRoot"/>
+      </p:par>
+    </p:tnLst>
+  </p:timing>
+</p:sld>
+</file>
+
+<file path=ppt/slides/slide18.xml><?xml version="1.0" encoding="utf-8"?>
+<p:sld xmlns:a="http://schemas.openxmlformats.org/drawingml/2006/main" xmlns:r="http://schemas.openxmlformats.org/officeDocument/2006/relationships" xmlns:p="http://schemas.openxmlformats.org/presentationml/2006/main">
+  <p:cSld>
+    <p:spTree>
+      <p:nvGrpSpPr>
+        <p:cNvPr id="1" name=""/>
+        <p:cNvGrpSpPr/>
+        <p:nvPr/>
+      </p:nvGrpSpPr>
+      <p:grpSpPr>
+        <a:xfrm>
+          <a:off x="0" y="0"/>
+          <a:ext cx="0" cy="0"/>
+          <a:chOff x="0" y="0"/>
+          <a:chExt cx="0" cy="0"/>
+        </a:xfrm>
+      </p:grpSpPr>
+      <p:sp>
+        <p:nvSpPr>
+          <p:cNvPr id="2" name="Titel 1"/>
+          <p:cNvSpPr>
+            <a:spLocks noGrp="1"/>
+          </p:cNvSpPr>
+          <p:nvPr>
+            <p:ph type="title"/>
+          </p:nvPr>
+        </p:nvSpPr>
+        <p:spPr/>
+        <p:txBody>
+          <a:bodyPr/>
+          <a:lstStyle/>
+          <a:p>
+            <a:r>
+              <a:rPr lang="de-DE" dirty="0" smtClean="0"/>
+              <a:t>Probleme</a:t>
+            </a:r>
+            <a:endParaRPr lang="de-DE" dirty="0"/>
+          </a:p>
+        </p:txBody>
+      </p:sp>
+      <p:sp>
+        <p:nvSpPr>
+          <p:cNvPr id="3" name="Inhaltsplatzhalter 2"/>
+          <p:cNvSpPr>
+            <a:spLocks noGrp="1"/>
+          </p:cNvSpPr>
+          <p:nvPr>
+            <p:ph idx="1"/>
+          </p:nvPr>
+        </p:nvSpPr>
+        <p:spPr/>
+        <p:txBody>
+          <a:bodyPr>
+            <a:normAutofit lnSpcReduction="10000"/>
+          </a:bodyPr>
+          <a:lstStyle/>
+          <a:p>
+            <a:r>
+              <a:rPr lang="de-DE" dirty="0" smtClean="0"/>
+              <a:t>Zu viele Personen</a:t>
+            </a:r>
+          </a:p>
+          <a:p>
+            <a:pPr lvl="1"/>
+            <a:r>
+              <a:rPr lang="de-DE" dirty="0" smtClean="0"/>
+              <a:t>Keine einfachen Absprachen möglich</a:t>
+            </a:r>
+          </a:p>
+          <a:p>
+            <a:pPr lvl="1"/>
+            <a:r>
+              <a:rPr lang="de-DE" dirty="0" smtClean="0"/>
+              <a:t>Managementaufwand zu hoch</a:t>
+            </a:r>
+          </a:p>
+          <a:p>
+            <a:pPr lvl="1"/>
+            <a:r>
+              <a:rPr lang="de-DE"/>
+              <a:t>Kritik wurde nicht ernst </a:t>
+            </a:r>
+            <a:r>
+              <a:rPr lang="de-DE" smtClean="0"/>
+              <a:t>genommen</a:t>
+            </a:r>
+            <a:endParaRPr lang="de-DE" dirty="0" smtClean="0"/>
+          </a:p>
+          <a:p>
+            <a:pPr lvl="1"/>
+            <a:endParaRPr lang="de-DE" dirty="0" smtClean="0"/>
+          </a:p>
+          <a:p>
+            <a:r>
+              <a:rPr lang="de-DE" dirty="0" err="1" smtClean="0"/>
+              <a:t>Product</a:t>
+            </a:r>
+            <a:r>
+              <a:rPr lang="de-DE" dirty="0" smtClean="0"/>
+              <a:t> </a:t>
+            </a:r>
+            <a:r>
+              <a:rPr lang="de-DE" dirty="0" err="1" smtClean="0"/>
+              <a:t>Owner</a:t>
+            </a:r>
+            <a:r>
+              <a:rPr lang="de-DE" dirty="0" smtClean="0"/>
+              <a:t> &amp; </a:t>
+            </a:r>
+            <a:r>
+              <a:rPr lang="de-DE" dirty="0" err="1" smtClean="0"/>
+              <a:t>Scrum</a:t>
+            </a:r>
+            <a:r>
+              <a:rPr lang="de-DE" dirty="0" smtClean="0"/>
+              <a:t> Master waren nicht direkt in das Projekt integriert</a:t>
+            </a:r>
+          </a:p>
+          <a:p>
+            <a:pPr lvl="1"/>
+            <a:r>
+              <a:rPr lang="de-DE" dirty="0" smtClean="0"/>
+              <a:t>Niemand fühlte sich verantwortlich</a:t>
+            </a:r>
+          </a:p>
+          <a:p>
+            <a:pPr lvl="1"/>
+            <a:r>
+              <a:rPr lang="de-DE" dirty="0" smtClean="0"/>
+              <a:t>Keine Hierarchien</a:t>
+            </a:r>
+          </a:p>
+          <a:p>
+            <a:pPr lvl="2"/>
+            <a:r>
+              <a:rPr lang="de-DE" dirty="0" smtClean="0"/>
+              <a:t>Zu lockeres Umfeld</a:t>
+            </a:r>
+          </a:p>
+          <a:p>
+            <a:pPr lvl="2"/>
+            <a:r>
+              <a:rPr lang="de-DE" dirty="0" smtClean="0"/>
+              <a:t>Jeder macht, was er will</a:t>
+            </a:r>
+          </a:p>
+          <a:p>
+            <a:pPr lvl="1"/>
+            <a:endParaRPr lang="de-DE" dirty="0" smtClean="0"/>
+          </a:p>
+        </p:txBody>
+      </p:sp>
+    </p:spTree>
+    <p:extLst>
+      <p:ext uri="{BB962C8B-B14F-4D97-AF65-F5344CB8AC3E}">
+        <p14:creationId xmlns:p14="http://schemas.microsoft.com/office/powerpoint/2010/main" val="1751503681"/>
+      </p:ext>
+    </p:extLst>
+  </p:cSld>
+  <p:clrMapOvr>
+    <a:masterClrMapping/>
+  </p:clrMapOvr>
+</p:sld>
+</file>
+
+<file path=ppt/slides/slide19.xml><?xml version="1.0" encoding="utf-8"?>
+<p:sld xmlns:a="http://schemas.openxmlformats.org/drawingml/2006/main" xmlns:r="http://schemas.openxmlformats.org/officeDocument/2006/relationships" xmlns:p="http://schemas.openxmlformats.org/presentationml/2006/main">
+  <p:cSld>
+    <p:spTree>
+      <p:nvGrpSpPr>
+        <p:cNvPr id="1" name=""/>
+        <p:cNvGrpSpPr/>
+        <p:nvPr/>
+      </p:nvGrpSpPr>
+      <p:grpSpPr>
+        <a:xfrm>
+          <a:off x="0" y="0"/>
+          <a:ext cx="0" cy="0"/>
+          <a:chOff x="0" y="0"/>
+          <a:chExt cx="0" cy="0"/>
+        </a:xfrm>
+      </p:grpSpPr>
+      <p:sp>
+        <p:nvSpPr>
+          <p:cNvPr id="2" name="Titel 1"/>
+          <p:cNvSpPr>
+            <a:spLocks noGrp="1"/>
+          </p:cNvSpPr>
+          <p:nvPr>
+            <p:ph type="title"/>
+          </p:nvPr>
+        </p:nvSpPr>
+        <p:spPr/>
+        <p:txBody>
           <a:bodyPr/>
           <a:lstStyle/>
           <a:p>
@@ -3947,6 +4267,13 @@
   <p:clrMapOvr>
     <a:masterClrMapping/>
   </p:clrMapOvr>
+  <p:timing>
+    <p:tnLst>
+      <p:par>
+        <p:cTn id="1" dur="indefinite" restart="never" nodeType="tmRoot"/>
+      </p:par>
+    </p:tnLst>
+  </p:timing>
 </p:sld>
 </file>
 
@@ -4062,6 +4389,446 @@
     <p:extLst>
       <p:ext uri="{BB962C8B-B14F-4D97-AF65-F5344CB8AC3E}">
         <p14:creationId xmlns:p14="http://schemas.microsoft.com/office/powerpoint/2010/main" val="3886943277"/>
+      </p:ext>
+    </p:extLst>
+  </p:cSld>
+  <p:clrMapOvr>
+    <a:masterClrMapping/>
+  </p:clrMapOvr>
+  <p:timing>
+    <p:tnLst>
+      <p:par>
+        <p:cTn id="1" dur="indefinite" restart="never" nodeType="tmRoot"/>
+      </p:par>
+    </p:tnLst>
+  </p:timing>
+</p:sld>
+</file>
+
+<file path=ppt/slides/slide20.xml><?xml version="1.0" encoding="utf-8"?>
+<p:sld xmlns:a="http://schemas.openxmlformats.org/drawingml/2006/main" xmlns:r="http://schemas.openxmlformats.org/officeDocument/2006/relationships" xmlns:p="http://schemas.openxmlformats.org/presentationml/2006/main">
+  <p:cSld>
+    <p:spTree>
+      <p:nvGrpSpPr>
+        <p:cNvPr id="1" name=""/>
+        <p:cNvGrpSpPr/>
+        <p:nvPr/>
+      </p:nvGrpSpPr>
+      <p:grpSpPr>
+        <a:xfrm>
+          <a:off x="0" y="0"/>
+          <a:ext cx="0" cy="0"/>
+          <a:chOff x="0" y="0"/>
+          <a:chExt cx="0" cy="0"/>
+        </a:xfrm>
+      </p:grpSpPr>
+      <p:sp>
+        <p:nvSpPr>
+          <p:cNvPr id="2" name="Titel 1"/>
+          <p:cNvSpPr>
+            <a:spLocks noGrp="1"/>
+          </p:cNvSpPr>
+          <p:nvPr>
+            <p:ph type="title"/>
+          </p:nvPr>
+        </p:nvSpPr>
+        <p:spPr>
+          <a:xfrm>
+            <a:off x="628650" y="270785"/>
+            <a:ext cx="7886700" cy="643617"/>
+          </a:xfrm>
+        </p:spPr>
+        <p:txBody>
+          <a:bodyPr>
+            <a:normAutofit fontScale="90000"/>
+          </a:bodyPr>
+          <a:lstStyle/>
+          <a:p>
+            <a:r>
+              <a:rPr lang="de-DE" dirty="0" smtClean="0"/>
+              <a:t>Startseite</a:t>
+            </a:r>
+            <a:endParaRPr lang="de-DE" dirty="0"/>
+          </a:p>
+        </p:txBody>
+      </p:sp>
+      <p:sp>
+        <p:nvSpPr>
+          <p:cNvPr id="3" name="Inhaltsplatzhalter 2"/>
+          <p:cNvSpPr>
+            <a:spLocks noGrp="1"/>
+          </p:cNvSpPr>
+          <p:nvPr>
+            <p:ph idx="1"/>
+          </p:nvPr>
+        </p:nvSpPr>
+        <p:spPr/>
+        <p:txBody>
+          <a:bodyPr/>
+          <a:lstStyle/>
+          <a:p>
+            <a:endParaRPr lang="de-DE"/>
+          </a:p>
+        </p:txBody>
+      </p:sp>
+      <p:pic>
+        <p:nvPicPr>
+          <p:cNvPr id="4" name="Grafik 3"/>
+          <p:cNvPicPr>
+            <a:picLocks noChangeAspect="1"/>
+          </p:cNvPicPr>
+          <p:nvPr/>
+        </p:nvPicPr>
+        <p:blipFill>
+          <a:blip r:embed="rId2"/>
+          <a:stretch>
+            <a:fillRect/>
+          </a:stretch>
+        </p:blipFill>
+        <p:spPr>
+          <a:xfrm>
+            <a:off x="0" y="1137558"/>
+            <a:ext cx="9144000" cy="5715000"/>
+          </a:xfrm>
+          <a:prstGeom prst="rect">
+            <a:avLst/>
+          </a:prstGeom>
+        </p:spPr>
+      </p:pic>
+    </p:spTree>
+    <p:extLst>
+      <p:ext uri="{BB962C8B-B14F-4D97-AF65-F5344CB8AC3E}">
+        <p14:creationId xmlns:p14="http://schemas.microsoft.com/office/powerpoint/2010/main" val="2223263997"/>
+      </p:ext>
+    </p:extLst>
+  </p:cSld>
+  <p:clrMapOvr>
+    <a:masterClrMapping/>
+  </p:clrMapOvr>
+  <p:timing>
+    <p:tnLst>
+      <p:par>
+        <p:cTn id="1" dur="indefinite" restart="never" nodeType="tmRoot"/>
+      </p:par>
+    </p:tnLst>
+  </p:timing>
+</p:sld>
+</file>
+
+<file path=ppt/slides/slide21.xml><?xml version="1.0" encoding="utf-8"?>
+<p:sld xmlns:a="http://schemas.openxmlformats.org/drawingml/2006/main" xmlns:r="http://schemas.openxmlformats.org/officeDocument/2006/relationships" xmlns:p="http://schemas.openxmlformats.org/presentationml/2006/main">
+  <p:cSld>
+    <p:spTree>
+      <p:nvGrpSpPr>
+        <p:cNvPr id="1" name=""/>
+        <p:cNvGrpSpPr/>
+        <p:nvPr/>
+      </p:nvGrpSpPr>
+      <p:grpSpPr>
+        <a:xfrm>
+          <a:off x="0" y="0"/>
+          <a:ext cx="0" cy="0"/>
+          <a:chOff x="0" y="0"/>
+          <a:chExt cx="0" cy="0"/>
+        </a:xfrm>
+      </p:grpSpPr>
+      <p:sp>
+        <p:nvSpPr>
+          <p:cNvPr id="2" name="Titel 1"/>
+          <p:cNvSpPr>
+            <a:spLocks noGrp="1"/>
+          </p:cNvSpPr>
+          <p:nvPr>
+            <p:ph type="title"/>
+          </p:nvPr>
+        </p:nvSpPr>
+        <p:spPr>
+          <a:xfrm>
+            <a:off x="628650" y="270785"/>
+            <a:ext cx="7886700" cy="643617"/>
+          </a:xfrm>
+        </p:spPr>
+        <p:txBody>
+          <a:bodyPr>
+            <a:normAutofit fontScale="90000"/>
+          </a:bodyPr>
+          <a:lstStyle/>
+          <a:p>
+            <a:r>
+              <a:rPr lang="de-DE" dirty="0" smtClean="0"/>
+              <a:t>Bestenliste</a:t>
+            </a:r>
+            <a:endParaRPr lang="de-DE" dirty="0"/>
+          </a:p>
+        </p:txBody>
+      </p:sp>
+      <p:sp>
+        <p:nvSpPr>
+          <p:cNvPr id="3" name="Inhaltsplatzhalter 2"/>
+          <p:cNvSpPr>
+            <a:spLocks noGrp="1"/>
+          </p:cNvSpPr>
+          <p:nvPr>
+            <p:ph idx="1"/>
+          </p:nvPr>
+        </p:nvSpPr>
+        <p:spPr/>
+        <p:txBody>
+          <a:bodyPr/>
+          <a:lstStyle/>
+          <a:p>
+            <a:endParaRPr lang="de-DE"/>
+          </a:p>
+        </p:txBody>
+      </p:sp>
+      <p:pic>
+        <p:nvPicPr>
+          <p:cNvPr id="6" name="Grafik 5"/>
+          <p:cNvPicPr>
+            <a:picLocks noChangeAspect="1"/>
+          </p:cNvPicPr>
+          <p:nvPr/>
+        </p:nvPicPr>
+        <p:blipFill>
+          <a:blip r:embed="rId2"/>
+          <a:stretch>
+            <a:fillRect/>
+          </a:stretch>
+        </p:blipFill>
+        <p:spPr>
+          <a:xfrm>
+            <a:off x="0" y="1137554"/>
+            <a:ext cx="9144000" cy="5715000"/>
+          </a:xfrm>
+          <a:prstGeom prst="rect">
+            <a:avLst/>
+          </a:prstGeom>
+        </p:spPr>
+      </p:pic>
+    </p:spTree>
+    <p:extLst>
+      <p:ext uri="{BB962C8B-B14F-4D97-AF65-F5344CB8AC3E}">
+        <p14:creationId xmlns:p14="http://schemas.microsoft.com/office/powerpoint/2010/main" val="2795485289"/>
+      </p:ext>
+    </p:extLst>
+  </p:cSld>
+  <p:clrMapOvr>
+    <a:masterClrMapping/>
+  </p:clrMapOvr>
+  <p:timing>
+    <p:tnLst>
+      <p:par>
+        <p:cTn id="1" dur="indefinite" restart="never" nodeType="tmRoot"/>
+      </p:par>
+    </p:tnLst>
+  </p:timing>
+</p:sld>
+</file>
+
+<file path=ppt/slides/slide22.xml><?xml version="1.0" encoding="utf-8"?>
+<p:sld xmlns:a="http://schemas.openxmlformats.org/drawingml/2006/main" xmlns:r="http://schemas.openxmlformats.org/officeDocument/2006/relationships" xmlns:p="http://schemas.openxmlformats.org/presentationml/2006/main">
+  <p:cSld>
+    <p:spTree>
+      <p:nvGrpSpPr>
+        <p:cNvPr id="1" name=""/>
+        <p:cNvGrpSpPr/>
+        <p:nvPr/>
+      </p:nvGrpSpPr>
+      <p:grpSpPr>
+        <a:xfrm>
+          <a:off x="0" y="0"/>
+          <a:ext cx="0" cy="0"/>
+          <a:chOff x="0" y="0"/>
+          <a:chExt cx="0" cy="0"/>
+        </a:xfrm>
+      </p:grpSpPr>
+      <p:sp>
+        <p:nvSpPr>
+          <p:cNvPr id="2" name="Titel 1"/>
+          <p:cNvSpPr>
+            <a:spLocks noGrp="1"/>
+          </p:cNvSpPr>
+          <p:nvPr>
+            <p:ph type="title"/>
+          </p:nvPr>
+        </p:nvSpPr>
+        <p:spPr>
+          <a:xfrm>
+            <a:off x="628650" y="270785"/>
+            <a:ext cx="7886700" cy="643617"/>
+          </a:xfrm>
+        </p:spPr>
+        <p:txBody>
+          <a:bodyPr>
+            <a:normAutofit fontScale="90000"/>
+          </a:bodyPr>
+          <a:lstStyle/>
+          <a:p>
+            <a:r>
+              <a:rPr lang="de-DE" dirty="0" smtClean="0"/>
+              <a:t>Bundesliga</a:t>
+            </a:r>
+            <a:endParaRPr lang="de-DE" dirty="0"/>
+          </a:p>
+        </p:txBody>
+      </p:sp>
+      <p:sp>
+        <p:nvSpPr>
+          <p:cNvPr id="3" name="Inhaltsplatzhalter 2"/>
+          <p:cNvSpPr>
+            <a:spLocks noGrp="1"/>
+          </p:cNvSpPr>
+          <p:nvPr>
+            <p:ph idx="1"/>
+          </p:nvPr>
+        </p:nvSpPr>
+        <p:spPr/>
+        <p:txBody>
+          <a:bodyPr/>
+          <a:lstStyle/>
+          <a:p>
+            <a:endParaRPr lang="de-DE"/>
+          </a:p>
+        </p:txBody>
+      </p:sp>
+      <p:pic>
+        <p:nvPicPr>
+          <p:cNvPr id="4" name="Grafik 3"/>
+          <p:cNvPicPr>
+            <a:picLocks noChangeAspect="1"/>
+          </p:cNvPicPr>
+          <p:nvPr/>
+        </p:nvPicPr>
+        <p:blipFill>
+          <a:blip r:embed="rId2"/>
+          <a:stretch>
+            <a:fillRect/>
+          </a:stretch>
+        </p:blipFill>
+        <p:spPr>
+          <a:xfrm>
+            <a:off x="0" y="1137555"/>
+            <a:ext cx="9144000" cy="5715000"/>
+          </a:xfrm>
+          <a:prstGeom prst="rect">
+            <a:avLst/>
+          </a:prstGeom>
+        </p:spPr>
+      </p:pic>
+    </p:spTree>
+    <p:extLst>
+      <p:ext uri="{BB962C8B-B14F-4D97-AF65-F5344CB8AC3E}">
+        <p14:creationId xmlns:p14="http://schemas.microsoft.com/office/powerpoint/2010/main" val="237465250"/>
+      </p:ext>
+    </p:extLst>
+  </p:cSld>
+  <p:clrMapOvr>
+    <a:masterClrMapping/>
+  </p:clrMapOvr>
+  <p:timing>
+    <p:tnLst>
+      <p:par>
+        <p:cTn id="1" dur="indefinite" restart="never" nodeType="tmRoot"/>
+      </p:par>
+    </p:tnLst>
+  </p:timing>
+</p:sld>
+</file>
+
+<file path=ppt/slides/slide23.xml><?xml version="1.0" encoding="utf-8"?>
+<p:sld xmlns:a="http://schemas.openxmlformats.org/drawingml/2006/main" xmlns:r="http://schemas.openxmlformats.org/officeDocument/2006/relationships" xmlns:p="http://schemas.openxmlformats.org/presentationml/2006/main">
+  <p:cSld>
+    <p:spTree>
+      <p:nvGrpSpPr>
+        <p:cNvPr id="1" name=""/>
+        <p:cNvGrpSpPr/>
+        <p:nvPr/>
+      </p:nvGrpSpPr>
+      <p:grpSpPr>
+        <a:xfrm>
+          <a:off x="0" y="0"/>
+          <a:ext cx="0" cy="0"/>
+          <a:chOff x="0" y="0"/>
+          <a:chExt cx="0" cy="0"/>
+        </a:xfrm>
+      </p:grpSpPr>
+      <p:sp>
+        <p:nvSpPr>
+          <p:cNvPr id="2" name="Titel 1"/>
+          <p:cNvSpPr>
+            <a:spLocks noGrp="1"/>
+          </p:cNvSpPr>
+          <p:nvPr>
+            <p:ph type="title"/>
+          </p:nvPr>
+        </p:nvSpPr>
+        <p:spPr>
+          <a:xfrm>
+            <a:off x="628650" y="270785"/>
+            <a:ext cx="7886700" cy="643617"/>
+          </a:xfrm>
+        </p:spPr>
+        <p:txBody>
+          <a:bodyPr>
+            <a:normAutofit fontScale="90000"/>
+          </a:bodyPr>
+          <a:lstStyle/>
+          <a:p>
+            <a:r>
+              <a:rPr lang="de-DE" dirty="0" smtClean="0"/>
+              <a:t>News</a:t>
+            </a:r>
+            <a:endParaRPr lang="de-DE" dirty="0"/>
+          </a:p>
+        </p:txBody>
+      </p:sp>
+      <p:sp>
+        <p:nvSpPr>
+          <p:cNvPr id="3" name="Inhaltsplatzhalter 2"/>
+          <p:cNvSpPr>
+            <a:spLocks noGrp="1"/>
+          </p:cNvSpPr>
+          <p:nvPr>
+            <p:ph idx="1"/>
+          </p:nvPr>
+        </p:nvSpPr>
+        <p:spPr/>
+        <p:txBody>
+          <a:bodyPr/>
+          <a:lstStyle/>
+          <a:p>
+            <a:endParaRPr lang="de-DE"/>
+          </a:p>
+        </p:txBody>
+      </p:sp>
+      <p:pic>
+        <p:nvPicPr>
+          <p:cNvPr id="5" name="Grafik 4"/>
+          <p:cNvPicPr>
+            <a:picLocks noChangeAspect="1"/>
+          </p:cNvPicPr>
+          <p:nvPr/>
+        </p:nvPicPr>
+        <p:blipFill>
+          <a:blip r:embed="rId2"/>
+          <a:stretch>
+            <a:fillRect/>
+          </a:stretch>
+        </p:blipFill>
+        <p:spPr>
+          <a:xfrm>
+            <a:off x="3067050" y="2100262"/>
+            <a:ext cx="3009900" cy="2657475"/>
+          </a:xfrm>
+          <a:prstGeom prst="rect">
+            <a:avLst/>
+          </a:prstGeom>
+        </p:spPr>
+      </p:pic>
+    </p:spTree>
+    <p:extLst>
+      <p:ext uri="{BB962C8B-B14F-4D97-AF65-F5344CB8AC3E}">
+        <p14:creationId xmlns:p14="http://schemas.microsoft.com/office/powerpoint/2010/main" val="2799959218"/>
       </p:ext>
     </p:extLst>
   </p:cSld>
@@ -4112,7 +4879,7 @@
           <a:p>
             <a:r>
               <a:rPr lang="de-DE" dirty="0" smtClean="0"/>
-              <a:t>Projektvorgehen</a:t>
+              <a:t>Arbeitsverteilung</a:t>
             </a:r>
             <a:endParaRPr lang="de-DE" dirty="0"/>
           </a:p>
@@ -4134,32 +4901,44 @@
           <a:lstStyle/>
           <a:p>
             <a:r>
-              <a:rPr lang="de-DE" dirty="0" err="1" smtClean="0"/>
-              <a:t>Scrum</a:t>
-            </a:r>
-            <a:endParaRPr lang="de-DE" dirty="0" smtClean="0"/>
-          </a:p>
-          <a:p>
-            <a:r>
-              <a:rPr lang="de-DE" dirty="0" smtClean="0"/>
-              <a:t>2 Wochen/4 Tage Sprints</a:t>
-            </a:r>
-          </a:p>
-          <a:p>
-            <a:r>
-              <a:rPr lang="de-DE" dirty="0" smtClean="0"/>
-              <a:t>Insgesamt 4 Sprints</a:t>
-            </a:r>
-          </a:p>
-          <a:p>
-            <a:endParaRPr lang="de-DE" dirty="0" smtClean="0"/>
+              <a:rPr lang="de-DE" dirty="0" smtClean="0"/>
+              <a:t>2 Personen Backend</a:t>
+            </a:r>
+          </a:p>
+          <a:p>
+            <a:r>
+              <a:rPr lang="de-DE" dirty="0" smtClean="0"/>
+              <a:t>2 Personen Datenbank</a:t>
+            </a:r>
+          </a:p>
+          <a:p>
+            <a:r>
+              <a:rPr lang="de-DE" dirty="0" smtClean="0"/>
+              <a:t>2 Personen Frontend</a:t>
+            </a:r>
+          </a:p>
+          <a:p>
+            <a:r>
+              <a:rPr lang="de-DE" dirty="0" smtClean="0"/>
+              <a:t>2 „Jumper“</a:t>
+            </a:r>
+          </a:p>
+          <a:p>
+            <a:endParaRPr lang="de-DE" dirty="0"/>
+          </a:p>
+          <a:p>
+            <a:r>
+              <a:rPr lang="de-DE" dirty="0" smtClean="0"/>
+              <a:t>Stetig wachsende Vermischung der Aufgaben im Laufe des Projekts</a:t>
+            </a:r>
+            <a:endParaRPr lang="de-DE" dirty="0"/>
           </a:p>
         </p:txBody>
       </p:sp>
     </p:spTree>
     <p:extLst>
       <p:ext uri="{BB962C8B-B14F-4D97-AF65-F5344CB8AC3E}">
-        <p14:creationId xmlns:p14="http://schemas.microsoft.com/office/powerpoint/2010/main" val="181681827"/>
+        <p14:creationId xmlns:p14="http://schemas.microsoft.com/office/powerpoint/2010/main" val="420142827"/>
       </p:ext>
     </p:extLst>
   </p:cSld>
@@ -4210,7 +4989,7 @@
           <a:p>
             <a:r>
               <a:rPr lang="de-DE" dirty="0" smtClean="0"/>
-              <a:t>Arbeitsverteilung</a:t>
+              <a:t>Projektvorgehen</a:t>
             </a:r>
             <a:endParaRPr lang="de-DE" dirty="0"/>
           </a:p>
@@ -4232,44 +5011,33 @@
           <a:lstStyle/>
           <a:p>
             <a:r>
-              <a:rPr lang="de-DE" dirty="0" smtClean="0"/>
-              <a:t>2 Personen Backend</a:t>
-            </a:r>
-          </a:p>
-          <a:p>
-            <a:r>
-              <a:rPr lang="de-DE" dirty="0" smtClean="0"/>
-              <a:t>2 Personen Datenbank</a:t>
-            </a:r>
-          </a:p>
-          <a:p>
-            <a:r>
-              <a:rPr lang="de-DE" dirty="0" smtClean="0"/>
-              <a:t>2 Personen Frontend</a:t>
-            </a:r>
-          </a:p>
-          <a:p>
-            <a:r>
-              <a:rPr lang="de-DE" dirty="0" smtClean="0"/>
-              <a:t>2 „Jumper“</a:t>
-            </a:r>
-          </a:p>
-          <a:p>
-            <a:endParaRPr lang="de-DE" dirty="0"/>
-          </a:p>
-          <a:p>
-            <a:r>
-              <a:rPr lang="de-DE" dirty="0" smtClean="0"/>
-              <a:t>Stetig wachsende Vermischung der Aufgaben im Laufe des Projekts</a:t>
-            </a:r>
-            <a:endParaRPr lang="de-DE" dirty="0"/>
+              <a:rPr lang="de-DE" dirty="0" err="1" smtClean="0"/>
+              <a:t>Scrum</a:t>
+            </a:r>
+            <a:endParaRPr lang="de-DE" dirty="0" smtClean="0"/>
+          </a:p>
+          <a:p>
+            <a:r>
+              <a:rPr lang="de-DE" dirty="0" smtClean="0"/>
+              <a:t>Sprintlänge: 4 Tage</a:t>
+            </a:r>
+            <a:endParaRPr lang="de-DE" dirty="0" smtClean="0"/>
+          </a:p>
+          <a:p>
+            <a:r>
+              <a:rPr lang="de-DE" dirty="0" smtClean="0"/>
+              <a:t>Insgesamt 4 Sprints</a:t>
+            </a:r>
+          </a:p>
+          <a:p>
+            <a:endParaRPr lang="de-DE" dirty="0" smtClean="0"/>
           </a:p>
         </p:txBody>
       </p:sp>
     </p:spTree>
     <p:extLst>
       <p:ext uri="{BB962C8B-B14F-4D97-AF65-F5344CB8AC3E}">
-        <p14:creationId xmlns:p14="http://schemas.microsoft.com/office/powerpoint/2010/main" val="420142827"/>
+        <p14:creationId xmlns:p14="http://schemas.microsoft.com/office/powerpoint/2010/main" val="181681827"/>
       </p:ext>
     </p:extLst>
   </p:cSld>

--- a/dokumente/Abschlusspräsentation.pptx
+++ b/dokumente/Abschlusspräsentation.pptx
@@ -28,6 +28,7 @@
     <p:sldId id="277" r:id="rId22"/>
     <p:sldId id="278" r:id="rId23"/>
     <p:sldId id="279" r:id="rId24"/>
+    <p:sldId id="280" r:id="rId25"/>
   </p:sldIdLst>
   <p:sldSz cx="9144000" cy="6858000" type="screen4x3"/>
   <p:notesSz cx="6858000" cy="9144000"/>
@@ -3945,25 +3946,49 @@
           </a:p>
         </p:txBody>
       </p:sp>
-      <p:sp>
-        <p:nvSpPr>
-          <p:cNvPr id="3" name="Inhaltsplatzhalter 2"/>
-          <p:cNvSpPr>
-            <a:spLocks noGrp="1"/>
-          </p:cNvSpPr>
+      <p:pic>
+        <p:nvPicPr>
+          <p:cNvPr id="1026" name="Picture 2" descr="https://img.sabbertran.de/kddURv"/>
+          <p:cNvPicPr>
+            <a:picLocks noGrp="1" noChangeAspect="1" noChangeArrowheads="1"/>
+          </p:cNvPicPr>
           <p:nvPr>
             <p:ph idx="1"/>
           </p:nvPr>
-        </p:nvSpPr>
-        <p:spPr/>
-        <p:txBody>
-          <a:bodyPr/>
-          <a:lstStyle/>
-          <a:p>
-            <a:endParaRPr lang="de-DE"/>
-          </a:p>
-        </p:txBody>
-      </p:sp>
+        </p:nvPicPr>
+        <p:blipFill>
+          <a:blip r:embed="rId2">
+            <a:extLst>
+              <a:ext uri="{28A0092B-C50C-407E-A947-70E740481C1C}">
+                <a14:useLocalDpi xmlns:a14="http://schemas.microsoft.com/office/drawing/2010/main" val="0"/>
+              </a:ext>
+            </a:extLst>
+          </a:blip>
+          <a:srcRect/>
+          <a:stretch>
+            <a:fillRect/>
+          </a:stretch>
+        </p:blipFill>
+        <p:spPr bwMode="auto">
+          <a:xfrm>
+            <a:off x="2047522" y="2496134"/>
+            <a:ext cx="5048955" cy="3010320"/>
+          </a:xfrm>
+          <a:prstGeom prst="rect">
+            <a:avLst/>
+          </a:prstGeom>
+          <a:noFill/>
+          <a:extLst>
+            <a:ext uri="{909E8E84-426E-40DD-AFC4-6F175D3DCCD1}">
+              <a14:hiddenFill xmlns:a14="http://schemas.microsoft.com/office/drawing/2010/main">
+                <a:solidFill>
+                  <a:srgbClr val="FFFFFF"/>
+                </a:solidFill>
+              </a14:hiddenFill>
+            </a:ext>
+          </a:extLst>
+        </p:spPr>
+      </p:pic>
     </p:spTree>
     <p:extLst>
       <p:ext uri="{BB962C8B-B14F-4D97-AF65-F5344CB8AC3E}">
@@ -4845,6 +4870,116 @@
 </p:sld>
 </file>
 
+<file path=ppt/slides/slide24.xml><?xml version="1.0" encoding="utf-8"?>
+<p:sld xmlns:a="http://schemas.openxmlformats.org/drawingml/2006/main" xmlns:r="http://schemas.openxmlformats.org/officeDocument/2006/relationships" xmlns:p="http://schemas.openxmlformats.org/presentationml/2006/main">
+  <p:cSld>
+    <p:spTree>
+      <p:nvGrpSpPr>
+        <p:cNvPr id="1" name=""/>
+        <p:cNvGrpSpPr/>
+        <p:nvPr/>
+      </p:nvGrpSpPr>
+      <p:grpSpPr>
+        <a:xfrm>
+          <a:off x="0" y="0"/>
+          <a:ext cx="0" cy="0"/>
+          <a:chOff x="0" y="0"/>
+          <a:chExt cx="0" cy="0"/>
+        </a:xfrm>
+      </p:grpSpPr>
+      <p:sp>
+        <p:nvSpPr>
+          <p:cNvPr id="2" name="Titel 1"/>
+          <p:cNvSpPr>
+            <a:spLocks noGrp="1"/>
+          </p:cNvSpPr>
+          <p:nvPr>
+            <p:ph type="title"/>
+          </p:nvPr>
+        </p:nvSpPr>
+        <p:spPr>
+          <a:xfrm>
+            <a:off x="628650" y="270785"/>
+            <a:ext cx="7886700" cy="643617"/>
+          </a:xfrm>
+        </p:spPr>
+        <p:txBody>
+          <a:bodyPr>
+            <a:normAutofit fontScale="90000"/>
+          </a:bodyPr>
+          <a:lstStyle/>
+          <a:p>
+            <a:r>
+              <a:rPr lang="de-DE" dirty="0" smtClean="0"/>
+              <a:t>Profil</a:t>
+            </a:r>
+            <a:endParaRPr lang="de-DE" dirty="0"/>
+          </a:p>
+        </p:txBody>
+      </p:sp>
+      <p:sp>
+        <p:nvSpPr>
+          <p:cNvPr id="3" name="Inhaltsplatzhalter 2"/>
+          <p:cNvSpPr>
+            <a:spLocks noGrp="1"/>
+          </p:cNvSpPr>
+          <p:nvPr>
+            <p:ph idx="1"/>
+          </p:nvPr>
+        </p:nvSpPr>
+        <p:spPr/>
+        <p:txBody>
+          <a:bodyPr/>
+          <a:lstStyle/>
+          <a:p>
+            <a:endParaRPr lang="de-DE"/>
+          </a:p>
+        </p:txBody>
+      </p:sp>
+      <p:pic>
+        <p:nvPicPr>
+          <p:cNvPr id="5" name="Grafik 4"/>
+          <p:cNvPicPr>
+            <a:picLocks noChangeAspect="1"/>
+          </p:cNvPicPr>
+          <p:nvPr/>
+        </p:nvPicPr>
+        <p:blipFill>
+          <a:blip r:embed="rId2"/>
+          <a:stretch>
+            <a:fillRect/>
+          </a:stretch>
+        </p:blipFill>
+        <p:spPr>
+          <a:xfrm>
+            <a:off x="0" y="1137557"/>
+            <a:ext cx="9144000" cy="5715000"/>
+          </a:xfrm>
+          <a:prstGeom prst="rect">
+            <a:avLst/>
+          </a:prstGeom>
+        </p:spPr>
+      </p:pic>
+    </p:spTree>
+    <p:extLst>
+      <p:ext uri="{BB962C8B-B14F-4D97-AF65-F5344CB8AC3E}">
+        <p14:creationId xmlns:p14="http://schemas.microsoft.com/office/powerpoint/2010/main" val="2629916009"/>
+      </p:ext>
+    </p:extLst>
+  </p:cSld>
+  <p:clrMapOvr>
+    <a:masterClrMapping/>
+  </p:clrMapOvr>
+  <p:timing>
+    <p:tnLst>
+      <p:par>
+        <p:cTn id="1" dur="indefinite" restart="never" nodeType="tmRoot"/>
+      </p:par>
+    </p:tnLst>
+  </p:timing>
+</p:sld>
+</file>
+
 <file path=ppt/slides/slide3.xml><?xml version="1.0" encoding="utf-8"?>
 <p:sld xmlns:a="http://schemas.openxmlformats.org/drawingml/2006/main" xmlns:r="http://schemas.openxmlformats.org/officeDocument/2006/relationships" xmlns:p="http://schemas.openxmlformats.org/presentationml/2006/main">
   <p:cSld>
@@ -5021,7 +5156,6 @@
               <a:rPr lang="de-DE" dirty="0" smtClean="0"/>
               <a:t>Sprintlänge: 4 Tage</a:t>
             </a:r>
-            <a:endParaRPr lang="de-DE" dirty="0" smtClean="0"/>
           </a:p>
           <a:p>
             <a:r>

--- a/dokumente/Abschlusspräsentation.pptx
+++ b/dokumente/Abschlusspräsentation.pptx
@@ -5350,14 +5350,14 @@
           <a:p>
             <a:pPr lvl="2"/>
             <a:r>
-              <a:rPr lang="de-DE" dirty="0" smtClean="0"/>
+              <a:rPr lang="de-DE" sz="2400" dirty="0" smtClean="0"/>
               <a:t>Community</a:t>
             </a:r>
           </a:p>
           <a:p>
             <a:pPr lvl="2"/>
             <a:r>
-              <a:rPr lang="de-DE" dirty="0" smtClean="0"/>
+              <a:rPr lang="de-DE" sz="2400" dirty="0" smtClean="0"/>
               <a:t>Verwaltung</a:t>
             </a:r>
           </a:p>
